--- a/docs/Figures.pptx
+++ b/docs/Figures.pptx
@@ -6,6 +6,8 @@
   </p:sldMasterIdLst>
   <p:sldIdLst>
     <p:sldId id="256" r:id="rId2"/>
+    <p:sldId id="257" r:id="rId3"/>
+    <p:sldId id="258" r:id="rId4"/>
   </p:sldIdLst>
   <p:sldSz cx="9144000" cy="6858000" type="screen4x3"/>
   <p:notesSz cx="6858000" cy="9144000"/>
@@ -3035,10 +3037,695 @@
           <a:chExt cx="0" cy="0"/>
         </a:xfrm>
       </p:grpSpPr>
+      <p:sp>
+        <p:nvSpPr>
+          <p:cNvPr id="4" name="标题 3"/>
+          <p:cNvSpPr>
+            <a:spLocks noGrp="1"/>
+          </p:cNvSpPr>
+          <p:nvPr>
+            <p:ph type="title"/>
+          </p:nvPr>
+        </p:nvSpPr>
+        <p:spPr/>
+        <p:txBody>
+          <a:bodyPr/>
+          <a:lstStyle/>
+          <a:p>
+            <a:r>
+              <a:rPr lang="en-US" altLang="zh-CN" dirty="0" smtClean="0"/>
+              <a:t>Stack Environment</a:t>
+            </a:r>
+            <a:endParaRPr lang="zh-CN" altLang="en-US" dirty="0"/>
+          </a:p>
+        </p:txBody>
+      </p:sp>
+      <p:sp>
+        <p:nvSpPr>
+          <p:cNvPr id="5" name="内容占位符 4"/>
+          <p:cNvSpPr>
+            <a:spLocks noGrp="1"/>
+          </p:cNvSpPr>
+          <p:nvPr>
+            <p:ph idx="1"/>
+          </p:nvPr>
+        </p:nvSpPr>
+        <p:spPr/>
+        <p:txBody>
+          <a:bodyPr>
+            <a:normAutofit fontScale="92500" lnSpcReduction="10000"/>
+          </a:bodyPr>
+          <a:lstStyle/>
+          <a:p>
+            <a:r>
+              <a:rPr lang="en-US" altLang="zh-CN" dirty="0" smtClean="0"/>
+              <a:t>1. script file</a:t>
+            </a:r>
+          </a:p>
+          <a:p>
+            <a:endParaRPr lang="en-US" altLang="zh-CN" dirty="0"/>
+          </a:p>
+          <a:p>
+            <a:r>
+              <a:rPr lang="en-US" altLang="zh-CN" dirty="0" smtClean="0"/>
+              <a:t>Main &lt;- function(args) {</a:t>
+            </a:r>
+          </a:p>
+          <a:p>
+            <a:r>
+              <a:rPr lang="en-US" altLang="zh-CN" dirty="0"/>
+              <a:t> </a:t>
+            </a:r>
+            <a:r>
+              <a:rPr lang="en-US" altLang="zh-CN" dirty="0" smtClean="0"/>
+              <a:t>   statements</a:t>
+            </a:r>
+          </a:p>
+          <a:p>
+            <a:r>
+              <a:rPr lang="en-US" altLang="zh-CN" dirty="0" smtClean="0"/>
+              <a:t>}</a:t>
+            </a:r>
+          </a:p>
+          <a:p>
+            <a:endParaRPr lang="en-US" altLang="zh-CN" dirty="0"/>
+          </a:p>
+          <a:p>
+            <a:r>
+              <a:rPr lang="en-US" altLang="zh-CN" dirty="0" smtClean="0"/>
+              <a:t>An R# script is a Main function closure, args function parameter is the commandline arguments.</a:t>
+            </a:r>
+            <a:endParaRPr lang="zh-CN" altLang="en-US" dirty="0"/>
+          </a:p>
+        </p:txBody>
+      </p:sp>
     </p:spTree>
     <p:extLst>
       <p:ext uri="{BB962C8B-B14F-4D97-AF65-F5344CB8AC3E}">
         <p14:creationId xmlns:p14="http://schemas.microsoft.com/office/powerpoint/2010/main" val="101910055"/>
+      </p:ext>
+    </p:extLst>
+  </p:cSld>
+  <p:clrMapOvr>
+    <a:masterClrMapping/>
+  </p:clrMapOvr>
+</p:sld>
+</file>
+
+<file path=ppt/slides/slide2.xml><?xml version="1.0" encoding="utf-8"?>
+<p:sld xmlns:a="http://schemas.openxmlformats.org/drawingml/2006/main" xmlns:r="http://schemas.openxmlformats.org/officeDocument/2006/relationships" xmlns:p="http://schemas.openxmlformats.org/presentationml/2006/main">
+  <p:cSld>
+    <p:spTree>
+      <p:nvGrpSpPr>
+        <p:cNvPr id="1" name=""/>
+        <p:cNvGrpSpPr/>
+        <p:nvPr/>
+      </p:nvGrpSpPr>
+      <p:grpSpPr>
+        <a:xfrm>
+          <a:off x="0" y="0"/>
+          <a:ext cx="0" cy="0"/>
+          <a:chOff x="0" y="0"/>
+          <a:chExt cx="0" cy="0"/>
+        </a:xfrm>
+      </p:grpSpPr>
+      <p:sp>
+        <p:nvSpPr>
+          <p:cNvPr id="2" name="标题 1"/>
+          <p:cNvSpPr>
+            <a:spLocks noGrp="1"/>
+          </p:cNvSpPr>
+          <p:nvPr>
+            <p:ph type="title"/>
+          </p:nvPr>
+        </p:nvSpPr>
+        <p:spPr/>
+        <p:txBody>
+          <a:bodyPr>
+            <a:normAutofit fontScale="90000"/>
+          </a:bodyPr>
+          <a:lstStyle/>
+          <a:p>
+            <a:r>
+              <a:rPr lang="en-US" altLang="zh-CN" dirty="0" smtClean="0"/>
+              <a:t>Relationship between the StackFrames</a:t>
+            </a:r>
+            <a:endParaRPr lang="zh-CN" altLang="en-US" dirty="0"/>
+          </a:p>
+        </p:txBody>
+      </p:sp>
+      <p:sp>
+        <p:nvSpPr>
+          <p:cNvPr id="4" name="矩形 3"/>
+          <p:cNvSpPr/>
+          <p:nvPr/>
+        </p:nvSpPr>
+        <p:spPr>
+          <a:xfrm>
+            <a:off x="487570" y="1756508"/>
+            <a:ext cx="4194673" cy="576064"/>
+          </a:xfrm>
+          <a:prstGeom prst="rect">
+            <a:avLst/>
+          </a:prstGeom>
+        </p:spPr>
+        <p:style>
+          <a:lnRef idx="1">
+            <a:schemeClr val="accent1"/>
+          </a:lnRef>
+          <a:fillRef idx="3">
+            <a:schemeClr val="accent1"/>
+          </a:fillRef>
+          <a:effectRef idx="2">
+            <a:schemeClr val="accent1"/>
+          </a:effectRef>
+          <a:fontRef idx="minor">
+            <a:schemeClr val="lt1"/>
+          </a:fontRef>
+        </p:style>
+        <p:txBody>
+          <a:bodyPr rtlCol="0" anchor="ctr"/>
+          <a:lstStyle/>
+          <a:p>
+            <a:pPr algn="ctr"/>
+            <a:r>
+              <a:rPr lang="en-US" altLang="zh-CN" dirty="0" smtClean="0"/>
+              <a:t>Global.envir()</a:t>
+            </a:r>
+            <a:endParaRPr lang="zh-CN" altLang="en-US" dirty="0"/>
+          </a:p>
+        </p:txBody>
+      </p:sp>
+      <p:sp>
+        <p:nvSpPr>
+          <p:cNvPr id="5" name="圆角矩形 4"/>
+          <p:cNvSpPr/>
+          <p:nvPr/>
+        </p:nvSpPr>
+        <p:spPr>
+          <a:xfrm>
+            <a:off x="2560793" y="3140968"/>
+            <a:ext cx="3960440" cy="432048"/>
+          </a:xfrm>
+          <a:prstGeom prst="roundRect">
+            <a:avLst/>
+          </a:prstGeom>
+        </p:spPr>
+        <p:style>
+          <a:lnRef idx="1">
+            <a:schemeClr val="accent5"/>
+          </a:lnRef>
+          <a:fillRef idx="3">
+            <a:schemeClr val="accent5"/>
+          </a:fillRef>
+          <a:effectRef idx="2">
+            <a:schemeClr val="accent5"/>
+          </a:effectRef>
+          <a:fontRef idx="minor">
+            <a:schemeClr val="lt1"/>
+          </a:fontRef>
+        </p:style>
+        <p:txBody>
+          <a:bodyPr rtlCol="0" anchor="ctr"/>
+          <a:lstStyle/>
+          <a:p>
+            <a:pPr algn="ctr"/>
+            <a:endParaRPr lang="zh-CN" altLang="en-US"/>
+          </a:p>
+        </p:txBody>
+      </p:sp>
+      <p:sp>
+        <p:nvSpPr>
+          <p:cNvPr id="6" name="TextBox 5"/>
+          <p:cNvSpPr txBox="1"/>
+          <p:nvPr/>
+        </p:nvSpPr>
+        <p:spPr>
+          <a:xfrm>
+            <a:off x="827584" y="3043123"/>
+            <a:ext cx="1537793" cy="646331"/>
+          </a:xfrm>
+          <a:prstGeom prst="rect">
+            <a:avLst/>
+          </a:prstGeom>
+          <a:noFill/>
+        </p:spPr>
+        <p:txBody>
+          <a:bodyPr wrap="none" rtlCol="0">
+            <a:spAutoFit/>
+          </a:bodyPr>
+          <a:lstStyle/>
+          <a:p>
+            <a:pPr algn="ctr"/>
+            <a:r>
+              <a:rPr lang="en-US" altLang="zh-CN" dirty="0" smtClean="0"/>
+              <a:t>R# script</a:t>
+            </a:r>
+          </a:p>
+          <a:p>
+            <a:pPr algn="ctr"/>
+            <a:r>
+              <a:rPr lang="en-US" altLang="zh-CN" dirty="0" smtClean="0"/>
+              <a:t>(Main closure)</a:t>
+            </a:r>
+            <a:endParaRPr lang="zh-CN" altLang="en-US" dirty="0"/>
+          </a:p>
+        </p:txBody>
+      </p:sp>
+      <p:sp>
+        <p:nvSpPr>
+          <p:cNvPr id="7" name="TextBox 6"/>
+          <p:cNvSpPr txBox="1"/>
+          <p:nvPr/>
+        </p:nvSpPr>
+        <p:spPr>
+          <a:xfrm>
+            <a:off x="4749705" y="2422195"/>
+            <a:ext cx="2646237" cy="369332"/>
+          </a:xfrm>
+          <a:prstGeom prst="rect">
+            <a:avLst/>
+          </a:prstGeom>
+          <a:noFill/>
+        </p:spPr>
+        <p:txBody>
+          <a:bodyPr wrap="none" rtlCol="0">
+            <a:spAutoFit/>
+          </a:bodyPr>
+          <a:lstStyle/>
+          <a:p>
+            <a:r>
+              <a:rPr lang="en-US" altLang="zh-CN" dirty="0" smtClean="0"/>
+              <a:t>source(filepath, args as ...)</a:t>
+            </a:r>
+            <a:endParaRPr lang="zh-CN" altLang="en-US" dirty="0"/>
+          </a:p>
+        </p:txBody>
+      </p:sp>
+      <p:sp>
+        <p:nvSpPr>
+          <p:cNvPr id="8" name="下箭头 7"/>
+          <p:cNvSpPr/>
+          <p:nvPr/>
+        </p:nvSpPr>
+        <p:spPr>
+          <a:xfrm>
+            <a:off x="2584906" y="2416241"/>
+            <a:ext cx="2097337" cy="626881"/>
+          </a:xfrm>
+          <a:prstGeom prst="downArrow">
+            <a:avLst>
+              <a:gd name="adj1" fmla="val 77792"/>
+              <a:gd name="adj2" fmla="val 32780"/>
+            </a:avLst>
+          </a:prstGeom>
+        </p:spPr>
+        <p:style>
+          <a:lnRef idx="1">
+            <a:schemeClr val="accent1"/>
+          </a:lnRef>
+          <a:fillRef idx="3">
+            <a:schemeClr val="accent1"/>
+          </a:fillRef>
+          <a:effectRef idx="2">
+            <a:schemeClr val="accent1"/>
+          </a:effectRef>
+          <a:fontRef idx="minor">
+            <a:schemeClr val="lt1"/>
+          </a:fontRef>
+        </p:style>
+        <p:txBody>
+          <a:bodyPr rtlCol="0" anchor="ctr"/>
+          <a:lstStyle/>
+          <a:p>
+            <a:pPr algn="ctr"/>
+            <a:r>
+              <a:rPr lang="en-US" altLang="zh-CN" dirty="0" smtClean="0"/>
+              <a:t>parent(global) + arguments</a:t>
+            </a:r>
+            <a:endParaRPr lang="zh-CN" altLang="en-US" dirty="0"/>
+          </a:p>
+        </p:txBody>
+      </p:sp>
+      <p:sp>
+        <p:nvSpPr>
+          <p:cNvPr id="9" name="圆角矩形 8"/>
+          <p:cNvSpPr/>
+          <p:nvPr/>
+        </p:nvSpPr>
+        <p:spPr>
+          <a:xfrm>
+            <a:off x="3267116" y="4293096"/>
+            <a:ext cx="4104456" cy="432048"/>
+          </a:xfrm>
+          <a:prstGeom prst="roundRect">
+            <a:avLst/>
+          </a:prstGeom>
+        </p:spPr>
+        <p:style>
+          <a:lnRef idx="1">
+            <a:schemeClr val="accent1"/>
+          </a:lnRef>
+          <a:fillRef idx="3">
+            <a:schemeClr val="accent1"/>
+          </a:fillRef>
+          <a:effectRef idx="2">
+            <a:schemeClr val="accent1"/>
+          </a:effectRef>
+          <a:fontRef idx="minor">
+            <a:schemeClr val="lt1"/>
+          </a:fontRef>
+        </p:style>
+        <p:txBody>
+          <a:bodyPr rtlCol="0" anchor="ctr"/>
+          <a:lstStyle/>
+          <a:p>
+            <a:pPr algn="ctr"/>
+            <a:endParaRPr lang="zh-CN" altLang="en-US"/>
+          </a:p>
+        </p:txBody>
+      </p:sp>
+      <p:sp>
+        <p:nvSpPr>
+          <p:cNvPr id="10" name="TextBox 9"/>
+          <p:cNvSpPr txBox="1"/>
+          <p:nvPr/>
+        </p:nvSpPr>
+        <p:spPr>
+          <a:xfrm>
+            <a:off x="827584" y="4324454"/>
+            <a:ext cx="1902316" cy="369332"/>
+          </a:xfrm>
+          <a:prstGeom prst="rect">
+            <a:avLst/>
+          </a:prstGeom>
+          <a:noFill/>
+        </p:spPr>
+        <p:txBody>
+          <a:bodyPr wrap="none" rtlCol="0">
+            <a:spAutoFit/>
+          </a:bodyPr>
+          <a:lstStyle/>
+          <a:p>
+            <a:r>
+              <a:rPr lang="en-US" altLang="zh-CN" dirty="0" smtClean="0"/>
+              <a:t>function/closure 1</a:t>
+            </a:r>
+            <a:endParaRPr lang="zh-CN" altLang="en-US" dirty="0"/>
+          </a:p>
+        </p:txBody>
+      </p:sp>
+      <p:sp>
+        <p:nvSpPr>
+          <p:cNvPr id="11" name="下箭头 10"/>
+          <p:cNvSpPr/>
+          <p:nvPr/>
+        </p:nvSpPr>
+        <p:spPr>
+          <a:xfrm>
+            <a:off x="3286814" y="3621794"/>
+            <a:ext cx="3234419" cy="590002"/>
+          </a:xfrm>
+          <a:prstGeom prst="downArrow">
+            <a:avLst>
+              <a:gd name="adj1" fmla="val 77792"/>
+              <a:gd name="adj2" fmla="val 32780"/>
+            </a:avLst>
+          </a:prstGeom>
+        </p:spPr>
+        <p:style>
+          <a:lnRef idx="1">
+            <a:schemeClr val="accent1"/>
+          </a:lnRef>
+          <a:fillRef idx="3">
+            <a:schemeClr val="accent1"/>
+          </a:fillRef>
+          <a:effectRef idx="2">
+            <a:schemeClr val="accent1"/>
+          </a:effectRef>
+          <a:fontRef idx="minor">
+            <a:schemeClr val="lt1"/>
+          </a:fontRef>
+        </p:style>
+        <p:txBody>
+          <a:bodyPr rtlCol="0" anchor="ctr"/>
+          <a:lstStyle/>
+          <a:p>
+            <a:pPr algn="ctr"/>
+            <a:r>
+              <a:rPr lang="en-US" altLang="zh-CN" dirty="0" smtClean="0"/>
+              <a:t>parent(main) + parameters</a:t>
+            </a:r>
+            <a:endParaRPr lang="zh-CN" altLang="en-US" dirty="0"/>
+          </a:p>
+        </p:txBody>
+      </p:sp>
+      <p:sp>
+        <p:nvSpPr>
+          <p:cNvPr id="12" name="圆角矩形 11"/>
+          <p:cNvSpPr/>
+          <p:nvPr/>
+        </p:nvSpPr>
+        <p:spPr>
+          <a:xfrm>
+            <a:off x="4469005" y="5541437"/>
+            <a:ext cx="4104456" cy="432048"/>
+          </a:xfrm>
+          <a:prstGeom prst="roundRect">
+            <a:avLst/>
+          </a:prstGeom>
+        </p:spPr>
+        <p:style>
+          <a:lnRef idx="1">
+            <a:schemeClr val="accent1"/>
+          </a:lnRef>
+          <a:fillRef idx="3">
+            <a:schemeClr val="accent1"/>
+          </a:fillRef>
+          <a:effectRef idx="2">
+            <a:schemeClr val="accent1"/>
+          </a:effectRef>
+          <a:fontRef idx="minor">
+            <a:schemeClr val="lt1"/>
+          </a:fontRef>
+        </p:style>
+        <p:txBody>
+          <a:bodyPr rtlCol="0" anchor="ctr"/>
+          <a:lstStyle/>
+          <a:p>
+            <a:pPr algn="ctr"/>
+            <a:endParaRPr lang="zh-CN" altLang="en-US"/>
+          </a:p>
+        </p:txBody>
+      </p:sp>
+      <p:sp>
+        <p:nvSpPr>
+          <p:cNvPr id="13" name="TextBox 12"/>
+          <p:cNvSpPr txBox="1"/>
+          <p:nvPr/>
+        </p:nvSpPr>
+        <p:spPr>
+          <a:xfrm>
+            <a:off x="827584" y="5572795"/>
+            <a:ext cx="1902316" cy="369332"/>
+          </a:xfrm>
+          <a:prstGeom prst="rect">
+            <a:avLst/>
+          </a:prstGeom>
+          <a:noFill/>
+        </p:spPr>
+        <p:txBody>
+          <a:bodyPr wrap="none" rtlCol="0">
+            <a:spAutoFit/>
+          </a:bodyPr>
+          <a:lstStyle/>
+          <a:p>
+            <a:r>
+              <a:rPr lang="en-US" altLang="zh-CN" dirty="0" smtClean="0"/>
+              <a:t>function/closure 2</a:t>
+            </a:r>
+            <a:endParaRPr lang="zh-CN" altLang="en-US" dirty="0"/>
+          </a:p>
+        </p:txBody>
+      </p:sp>
+      <p:sp>
+        <p:nvSpPr>
+          <p:cNvPr id="14" name="下箭头 13"/>
+          <p:cNvSpPr/>
+          <p:nvPr/>
+        </p:nvSpPr>
+        <p:spPr>
+          <a:xfrm>
+            <a:off x="4488703" y="4870135"/>
+            <a:ext cx="3234419" cy="590002"/>
+          </a:xfrm>
+          <a:prstGeom prst="downArrow">
+            <a:avLst>
+              <a:gd name="adj1" fmla="val 77792"/>
+              <a:gd name="adj2" fmla="val 32780"/>
+            </a:avLst>
+          </a:prstGeom>
+        </p:spPr>
+        <p:style>
+          <a:lnRef idx="1">
+            <a:schemeClr val="accent1"/>
+          </a:lnRef>
+          <a:fillRef idx="3">
+            <a:schemeClr val="accent1"/>
+          </a:fillRef>
+          <a:effectRef idx="2">
+            <a:schemeClr val="accent1"/>
+          </a:effectRef>
+          <a:fontRef idx="minor">
+            <a:schemeClr val="lt1"/>
+          </a:fontRef>
+        </p:style>
+        <p:txBody>
+          <a:bodyPr rtlCol="0" anchor="ctr"/>
+          <a:lstStyle/>
+          <a:p>
+            <a:pPr algn="ctr"/>
+            <a:r>
+              <a:rPr lang="en-US" altLang="zh-CN" dirty="0" smtClean="0"/>
+              <a:t>parent(function) + parameters</a:t>
+            </a:r>
+            <a:endParaRPr lang="zh-CN" altLang="en-US" dirty="0"/>
+          </a:p>
+        </p:txBody>
+      </p:sp>
+    </p:spTree>
+    <p:extLst>
+      <p:ext uri="{BB962C8B-B14F-4D97-AF65-F5344CB8AC3E}">
+        <p14:creationId xmlns:p14="http://schemas.microsoft.com/office/powerpoint/2010/main" val="3109611189"/>
+      </p:ext>
+    </p:extLst>
+  </p:cSld>
+  <p:clrMapOvr>
+    <a:masterClrMapping/>
+  </p:clrMapOvr>
+</p:sld>
+</file>
+
+<file path=ppt/slides/slide3.xml><?xml version="1.0" encoding="utf-8"?>
+<p:sld xmlns:a="http://schemas.openxmlformats.org/drawingml/2006/main" xmlns:r="http://schemas.openxmlformats.org/officeDocument/2006/relationships" xmlns:p="http://schemas.openxmlformats.org/presentationml/2006/main">
+  <p:cSld>
+    <p:spTree>
+      <p:nvGrpSpPr>
+        <p:cNvPr id="1" name=""/>
+        <p:cNvGrpSpPr/>
+        <p:nvPr/>
+      </p:nvGrpSpPr>
+      <p:grpSpPr>
+        <a:xfrm>
+          <a:off x="0" y="0"/>
+          <a:ext cx="0" cy="0"/>
+          <a:chOff x="0" y="0"/>
+          <a:chExt cx="0" cy="0"/>
+        </a:xfrm>
+      </p:grpSpPr>
+      <p:sp>
+        <p:nvSpPr>
+          <p:cNvPr id="2" name="标题 1"/>
+          <p:cNvSpPr>
+            <a:spLocks noGrp="1"/>
+          </p:cNvSpPr>
+          <p:nvPr>
+            <p:ph type="title"/>
+          </p:nvPr>
+        </p:nvSpPr>
+        <p:spPr/>
+        <p:txBody>
+          <a:bodyPr/>
+          <a:lstStyle/>
+          <a:p>
+            <a:r>
+              <a:rPr lang="en-US" altLang="zh-CN" dirty="0" smtClean="0"/>
+              <a:t>Script run from commandline</a:t>
+            </a:r>
+            <a:endParaRPr lang="zh-CN" altLang="en-US" dirty="0"/>
+          </a:p>
+        </p:txBody>
+      </p:sp>
+      <p:sp>
+        <p:nvSpPr>
+          <p:cNvPr id="3" name="内容占位符 2"/>
+          <p:cNvSpPr>
+            <a:spLocks noGrp="1"/>
+          </p:cNvSpPr>
+          <p:nvPr>
+            <p:ph idx="1"/>
+          </p:nvPr>
+        </p:nvSpPr>
+        <p:spPr/>
+        <p:txBody>
+          <a:bodyPr>
+            <a:normAutofit lnSpcReduction="10000"/>
+          </a:bodyPr>
+          <a:lstStyle/>
+          <a:p>
+            <a:r>
+              <a:rPr lang="en-US" altLang="zh-CN" sz="1800" dirty="0" smtClean="0"/>
+              <a:t>R.exe “./display.R” message:=“hello world!” name:=“test_name” write.file:=“./test.txt” pages:=500</a:t>
+            </a:r>
+          </a:p>
+          <a:p>
+            <a:endParaRPr lang="en-US" altLang="zh-CN" sz="1800" dirty="0"/>
+          </a:p>
+          <a:p>
+            <a:r>
+              <a:rPr lang="en-US" altLang="zh-CN" sz="1800" dirty="0" smtClean="0"/>
+              <a:t>R# script content</a:t>
+            </a:r>
+          </a:p>
+          <a:p>
+            <a:endParaRPr lang="en-US" altLang="zh-CN" sz="1800" dirty="0"/>
+          </a:p>
+          <a:p>
+            <a:r>
+              <a:rPr lang="en-US" altLang="zh-CN" sz="1800" dirty="0" smtClean="0"/>
+              <a:t>var message as string = ...;</a:t>
+            </a:r>
+          </a:p>
+          <a:p>
+            <a:r>
+              <a:rPr lang="en-US" altLang="zh-CN" sz="1800" dirty="0" smtClean="0"/>
+              <a:t>var name as string = ...;</a:t>
+            </a:r>
+          </a:p>
+          <a:p>
+            <a:r>
+              <a:rPr lang="en-US" altLang="zh-CN" sz="1800" dirty="0" smtClean="0"/>
+              <a:t>var write.file as string = ...; </a:t>
+            </a:r>
+          </a:p>
+          <a:p>
+            <a:r>
+              <a:rPr lang="en-US" altLang="zh-CN" sz="1800" dirty="0" smtClean="0"/>
+              <a:t>var pages as integer = ...;</a:t>
+            </a:r>
+          </a:p>
+          <a:p>
+            <a:endParaRPr lang="en-US" altLang="zh-CN" sz="1800" dirty="0"/>
+          </a:p>
+          <a:p>
+            <a:r>
+              <a:rPr lang="en-US" altLang="zh-CN" sz="1800" dirty="0" smtClean="0"/>
+              <a:t>You can input any number of the arguments in the commandline, and each argument should in format: variable:=value, if the value have a white space, then a quot character is required.</a:t>
+            </a:r>
+          </a:p>
+          <a:p>
+            <a:r>
+              <a:rPr lang="en-US" altLang="zh-CN" sz="1800" dirty="0" smtClean="0"/>
+              <a:t>Reference these commandline argument in R# script just using the variable declaration statement, and read from a parameter list ... Variable. </a:t>
+            </a:r>
+            <a:endParaRPr lang="zh-CN" altLang="en-US" sz="1800" dirty="0"/>
+          </a:p>
+        </p:txBody>
+      </p:sp>
+    </p:spTree>
+    <p:extLst>
+      <p:ext uri="{BB962C8B-B14F-4D97-AF65-F5344CB8AC3E}">
+        <p14:creationId xmlns:p14="http://schemas.microsoft.com/office/powerpoint/2010/main" val="1696459731"/>
       </p:ext>
     </p:extLst>
   </p:cSld>

--- a/docs/Figures.pptx
+++ b/docs/Figures.pptx
@@ -3174,425 +3174,440 @@
           </a:p>
         </p:txBody>
       </p:sp>
-      <p:sp>
-        <p:nvSpPr>
-          <p:cNvPr id="4" name="矩形 3"/>
-          <p:cNvSpPr/>
+      <p:grpSp>
+        <p:nvGrpSpPr>
+          <p:cNvPr id="15" name="组合 14"/>
+          <p:cNvGrpSpPr/>
           <p:nvPr/>
-        </p:nvSpPr>
-        <p:spPr>
+        </p:nvGrpSpPr>
+        <p:grpSpPr>
           <a:xfrm>
             <a:off x="487570" y="1756508"/>
-            <a:ext cx="4194673" cy="576064"/>
+            <a:ext cx="8085891" cy="4216977"/>
+            <a:chOff x="487570" y="1756508"/>
+            <a:chExt cx="8085891" cy="4216977"/>
           </a:xfrm>
-          <a:prstGeom prst="rect">
-            <a:avLst/>
-          </a:prstGeom>
-        </p:spPr>
-        <p:style>
-          <a:lnRef idx="1">
-            <a:schemeClr val="accent1"/>
-          </a:lnRef>
-          <a:fillRef idx="3">
-            <a:schemeClr val="accent1"/>
-          </a:fillRef>
-          <a:effectRef idx="2">
-            <a:schemeClr val="accent1"/>
-          </a:effectRef>
-          <a:fontRef idx="minor">
-            <a:schemeClr val="lt1"/>
-          </a:fontRef>
-        </p:style>
-        <p:txBody>
-          <a:bodyPr rtlCol="0" anchor="ctr"/>
-          <a:lstStyle/>
-          <a:p>
-            <a:pPr algn="ctr"/>
-            <a:r>
-              <a:rPr lang="en-US" altLang="zh-CN" dirty="0" smtClean="0"/>
-              <a:t>Global.envir()</a:t>
-            </a:r>
-            <a:endParaRPr lang="zh-CN" altLang="en-US" dirty="0"/>
-          </a:p>
-        </p:txBody>
-      </p:sp>
-      <p:sp>
-        <p:nvSpPr>
-          <p:cNvPr id="5" name="圆角矩形 4"/>
-          <p:cNvSpPr/>
-          <p:nvPr/>
-        </p:nvSpPr>
-        <p:spPr>
-          <a:xfrm>
-            <a:off x="2560793" y="3140968"/>
-            <a:ext cx="3960440" cy="432048"/>
-          </a:xfrm>
-          <a:prstGeom prst="roundRect">
-            <a:avLst/>
-          </a:prstGeom>
-        </p:spPr>
-        <p:style>
-          <a:lnRef idx="1">
-            <a:schemeClr val="accent5"/>
-          </a:lnRef>
-          <a:fillRef idx="3">
-            <a:schemeClr val="accent5"/>
-          </a:fillRef>
-          <a:effectRef idx="2">
-            <a:schemeClr val="accent5"/>
-          </a:effectRef>
-          <a:fontRef idx="minor">
-            <a:schemeClr val="lt1"/>
-          </a:fontRef>
-        </p:style>
-        <p:txBody>
-          <a:bodyPr rtlCol="0" anchor="ctr"/>
-          <a:lstStyle/>
-          <a:p>
-            <a:pPr algn="ctr"/>
-            <a:endParaRPr lang="zh-CN" altLang="en-US"/>
-          </a:p>
-        </p:txBody>
-      </p:sp>
-      <p:sp>
-        <p:nvSpPr>
-          <p:cNvPr id="6" name="TextBox 5"/>
-          <p:cNvSpPr txBox="1"/>
-          <p:nvPr/>
-        </p:nvSpPr>
-        <p:spPr>
-          <a:xfrm>
-            <a:off x="827584" y="3043123"/>
-            <a:ext cx="1537793" cy="646331"/>
-          </a:xfrm>
-          <a:prstGeom prst="rect">
-            <a:avLst/>
-          </a:prstGeom>
-          <a:noFill/>
-        </p:spPr>
-        <p:txBody>
-          <a:bodyPr wrap="none" rtlCol="0">
-            <a:spAutoFit/>
-          </a:bodyPr>
-          <a:lstStyle/>
-          <a:p>
-            <a:pPr algn="ctr"/>
-            <a:r>
-              <a:rPr lang="en-US" altLang="zh-CN" dirty="0" smtClean="0"/>
-              <a:t>R# script</a:t>
-            </a:r>
-          </a:p>
-          <a:p>
-            <a:pPr algn="ctr"/>
-            <a:r>
-              <a:rPr lang="en-US" altLang="zh-CN" dirty="0" smtClean="0"/>
-              <a:t>(Main closure)</a:t>
-            </a:r>
-            <a:endParaRPr lang="zh-CN" altLang="en-US" dirty="0"/>
-          </a:p>
-        </p:txBody>
-      </p:sp>
-      <p:sp>
-        <p:nvSpPr>
-          <p:cNvPr id="7" name="TextBox 6"/>
-          <p:cNvSpPr txBox="1"/>
-          <p:nvPr/>
-        </p:nvSpPr>
-        <p:spPr>
-          <a:xfrm>
-            <a:off x="4749705" y="2422195"/>
-            <a:ext cx="2646237" cy="369332"/>
-          </a:xfrm>
-          <a:prstGeom prst="rect">
-            <a:avLst/>
-          </a:prstGeom>
-          <a:noFill/>
-        </p:spPr>
-        <p:txBody>
-          <a:bodyPr wrap="none" rtlCol="0">
-            <a:spAutoFit/>
-          </a:bodyPr>
-          <a:lstStyle/>
-          <a:p>
-            <a:r>
-              <a:rPr lang="en-US" altLang="zh-CN" dirty="0" smtClean="0"/>
-              <a:t>source(filepath, args as ...)</a:t>
-            </a:r>
-            <a:endParaRPr lang="zh-CN" altLang="en-US" dirty="0"/>
-          </a:p>
-        </p:txBody>
-      </p:sp>
-      <p:sp>
-        <p:nvSpPr>
-          <p:cNvPr id="8" name="下箭头 7"/>
-          <p:cNvSpPr/>
-          <p:nvPr/>
-        </p:nvSpPr>
-        <p:spPr>
-          <a:xfrm>
-            <a:off x="2584906" y="2416241"/>
-            <a:ext cx="2097337" cy="626881"/>
-          </a:xfrm>
-          <a:prstGeom prst="downArrow">
-            <a:avLst>
-              <a:gd name="adj1" fmla="val 77792"/>
-              <a:gd name="adj2" fmla="val 32780"/>
-            </a:avLst>
-          </a:prstGeom>
-        </p:spPr>
-        <p:style>
-          <a:lnRef idx="1">
-            <a:schemeClr val="accent1"/>
-          </a:lnRef>
-          <a:fillRef idx="3">
-            <a:schemeClr val="accent1"/>
-          </a:fillRef>
-          <a:effectRef idx="2">
-            <a:schemeClr val="accent1"/>
-          </a:effectRef>
-          <a:fontRef idx="minor">
-            <a:schemeClr val="lt1"/>
-          </a:fontRef>
-        </p:style>
-        <p:txBody>
-          <a:bodyPr rtlCol="0" anchor="ctr"/>
-          <a:lstStyle/>
-          <a:p>
-            <a:pPr algn="ctr"/>
-            <a:r>
-              <a:rPr lang="en-US" altLang="zh-CN" dirty="0" smtClean="0"/>
-              <a:t>parent(global) + arguments</a:t>
-            </a:r>
-            <a:endParaRPr lang="zh-CN" altLang="en-US" dirty="0"/>
-          </a:p>
-        </p:txBody>
-      </p:sp>
-      <p:sp>
-        <p:nvSpPr>
-          <p:cNvPr id="9" name="圆角矩形 8"/>
-          <p:cNvSpPr/>
-          <p:nvPr/>
-        </p:nvSpPr>
-        <p:spPr>
-          <a:xfrm>
-            <a:off x="3267116" y="4293096"/>
-            <a:ext cx="4104456" cy="432048"/>
-          </a:xfrm>
-          <a:prstGeom prst="roundRect">
-            <a:avLst/>
-          </a:prstGeom>
-        </p:spPr>
-        <p:style>
-          <a:lnRef idx="1">
-            <a:schemeClr val="accent1"/>
-          </a:lnRef>
-          <a:fillRef idx="3">
-            <a:schemeClr val="accent1"/>
-          </a:fillRef>
-          <a:effectRef idx="2">
-            <a:schemeClr val="accent1"/>
-          </a:effectRef>
-          <a:fontRef idx="minor">
-            <a:schemeClr val="lt1"/>
-          </a:fontRef>
-        </p:style>
-        <p:txBody>
-          <a:bodyPr rtlCol="0" anchor="ctr"/>
-          <a:lstStyle/>
-          <a:p>
-            <a:pPr algn="ctr"/>
-            <a:endParaRPr lang="zh-CN" altLang="en-US"/>
-          </a:p>
-        </p:txBody>
-      </p:sp>
-      <p:sp>
-        <p:nvSpPr>
-          <p:cNvPr id="10" name="TextBox 9"/>
-          <p:cNvSpPr txBox="1"/>
-          <p:nvPr/>
-        </p:nvSpPr>
-        <p:spPr>
-          <a:xfrm>
-            <a:off x="827584" y="4324454"/>
-            <a:ext cx="1902316" cy="369332"/>
-          </a:xfrm>
-          <a:prstGeom prst="rect">
-            <a:avLst/>
-          </a:prstGeom>
-          <a:noFill/>
-        </p:spPr>
-        <p:txBody>
-          <a:bodyPr wrap="none" rtlCol="0">
-            <a:spAutoFit/>
-          </a:bodyPr>
-          <a:lstStyle/>
-          <a:p>
-            <a:r>
-              <a:rPr lang="en-US" altLang="zh-CN" dirty="0" smtClean="0"/>
-              <a:t>function/closure 1</a:t>
-            </a:r>
-            <a:endParaRPr lang="zh-CN" altLang="en-US" dirty="0"/>
-          </a:p>
-        </p:txBody>
-      </p:sp>
-      <p:sp>
-        <p:nvSpPr>
-          <p:cNvPr id="11" name="下箭头 10"/>
-          <p:cNvSpPr/>
-          <p:nvPr/>
-        </p:nvSpPr>
-        <p:spPr>
-          <a:xfrm>
-            <a:off x="3286814" y="3621794"/>
-            <a:ext cx="3234419" cy="590002"/>
-          </a:xfrm>
-          <a:prstGeom prst="downArrow">
-            <a:avLst>
-              <a:gd name="adj1" fmla="val 77792"/>
-              <a:gd name="adj2" fmla="val 32780"/>
-            </a:avLst>
-          </a:prstGeom>
-        </p:spPr>
-        <p:style>
-          <a:lnRef idx="1">
-            <a:schemeClr val="accent1"/>
-          </a:lnRef>
-          <a:fillRef idx="3">
-            <a:schemeClr val="accent1"/>
-          </a:fillRef>
-          <a:effectRef idx="2">
-            <a:schemeClr val="accent1"/>
-          </a:effectRef>
-          <a:fontRef idx="minor">
-            <a:schemeClr val="lt1"/>
-          </a:fontRef>
-        </p:style>
-        <p:txBody>
-          <a:bodyPr rtlCol="0" anchor="ctr"/>
-          <a:lstStyle/>
-          <a:p>
-            <a:pPr algn="ctr"/>
-            <a:r>
-              <a:rPr lang="en-US" altLang="zh-CN" dirty="0" smtClean="0"/>
-              <a:t>parent(main) + parameters</a:t>
-            </a:r>
-            <a:endParaRPr lang="zh-CN" altLang="en-US" dirty="0"/>
-          </a:p>
-        </p:txBody>
-      </p:sp>
-      <p:sp>
-        <p:nvSpPr>
-          <p:cNvPr id="12" name="圆角矩形 11"/>
-          <p:cNvSpPr/>
-          <p:nvPr/>
-        </p:nvSpPr>
-        <p:spPr>
-          <a:xfrm>
-            <a:off x="4469005" y="5541437"/>
-            <a:ext cx="4104456" cy="432048"/>
-          </a:xfrm>
-          <a:prstGeom prst="roundRect">
-            <a:avLst/>
-          </a:prstGeom>
-        </p:spPr>
-        <p:style>
-          <a:lnRef idx="1">
-            <a:schemeClr val="accent1"/>
-          </a:lnRef>
-          <a:fillRef idx="3">
-            <a:schemeClr val="accent1"/>
-          </a:fillRef>
-          <a:effectRef idx="2">
-            <a:schemeClr val="accent1"/>
-          </a:effectRef>
-          <a:fontRef idx="minor">
-            <a:schemeClr val="lt1"/>
-          </a:fontRef>
-        </p:style>
-        <p:txBody>
-          <a:bodyPr rtlCol="0" anchor="ctr"/>
-          <a:lstStyle/>
-          <a:p>
-            <a:pPr algn="ctr"/>
-            <a:endParaRPr lang="zh-CN" altLang="en-US"/>
-          </a:p>
-        </p:txBody>
-      </p:sp>
-      <p:sp>
-        <p:nvSpPr>
-          <p:cNvPr id="13" name="TextBox 12"/>
-          <p:cNvSpPr txBox="1"/>
-          <p:nvPr/>
-        </p:nvSpPr>
-        <p:spPr>
-          <a:xfrm>
-            <a:off x="827584" y="5572795"/>
-            <a:ext cx="1902316" cy="369332"/>
-          </a:xfrm>
-          <a:prstGeom prst="rect">
-            <a:avLst/>
-          </a:prstGeom>
-          <a:noFill/>
-        </p:spPr>
-        <p:txBody>
-          <a:bodyPr wrap="none" rtlCol="0">
-            <a:spAutoFit/>
-          </a:bodyPr>
-          <a:lstStyle/>
-          <a:p>
-            <a:r>
-              <a:rPr lang="en-US" altLang="zh-CN" dirty="0" smtClean="0"/>
-              <a:t>function/closure 2</a:t>
-            </a:r>
-            <a:endParaRPr lang="zh-CN" altLang="en-US" dirty="0"/>
-          </a:p>
-        </p:txBody>
-      </p:sp>
-      <p:sp>
-        <p:nvSpPr>
-          <p:cNvPr id="14" name="下箭头 13"/>
-          <p:cNvSpPr/>
-          <p:nvPr/>
-        </p:nvSpPr>
-        <p:spPr>
-          <a:xfrm>
-            <a:off x="4488703" y="4870135"/>
-            <a:ext cx="3234419" cy="590002"/>
-          </a:xfrm>
-          <a:prstGeom prst="downArrow">
-            <a:avLst>
-              <a:gd name="adj1" fmla="val 77792"/>
-              <a:gd name="adj2" fmla="val 32780"/>
-            </a:avLst>
-          </a:prstGeom>
-        </p:spPr>
-        <p:style>
-          <a:lnRef idx="1">
-            <a:schemeClr val="accent1"/>
-          </a:lnRef>
-          <a:fillRef idx="3">
-            <a:schemeClr val="accent1"/>
-          </a:fillRef>
-          <a:effectRef idx="2">
-            <a:schemeClr val="accent1"/>
-          </a:effectRef>
-          <a:fontRef idx="minor">
-            <a:schemeClr val="lt1"/>
-          </a:fontRef>
-        </p:style>
-        <p:txBody>
-          <a:bodyPr rtlCol="0" anchor="ctr"/>
-          <a:lstStyle/>
-          <a:p>
-            <a:pPr algn="ctr"/>
-            <a:r>
-              <a:rPr lang="en-US" altLang="zh-CN" dirty="0" smtClean="0"/>
-              <a:t>parent(function) + parameters</a:t>
-            </a:r>
-            <a:endParaRPr lang="zh-CN" altLang="en-US" dirty="0"/>
-          </a:p>
-        </p:txBody>
-      </p:sp>
+        </p:grpSpPr>
+        <p:sp>
+          <p:nvSpPr>
+            <p:cNvPr id="4" name="矩形 3"/>
+            <p:cNvSpPr/>
+            <p:nvPr/>
+          </p:nvSpPr>
+          <p:spPr>
+            <a:xfrm>
+              <a:off x="487570" y="1756508"/>
+              <a:ext cx="4194673" cy="576064"/>
+            </a:xfrm>
+            <a:prstGeom prst="rect">
+              <a:avLst/>
+            </a:prstGeom>
+          </p:spPr>
+          <p:style>
+            <a:lnRef idx="1">
+              <a:schemeClr val="accent1"/>
+            </a:lnRef>
+            <a:fillRef idx="3">
+              <a:schemeClr val="accent1"/>
+            </a:fillRef>
+            <a:effectRef idx="2">
+              <a:schemeClr val="accent1"/>
+            </a:effectRef>
+            <a:fontRef idx="minor">
+              <a:schemeClr val="lt1"/>
+            </a:fontRef>
+          </p:style>
+          <p:txBody>
+            <a:bodyPr rtlCol="0" anchor="ctr"/>
+            <a:lstStyle/>
+            <a:p>
+              <a:pPr algn="ctr"/>
+              <a:r>
+                <a:rPr lang="en-US" altLang="zh-CN" dirty="0" smtClean="0"/>
+                <a:t>Global.envir()</a:t>
+              </a:r>
+              <a:endParaRPr lang="zh-CN" altLang="en-US" dirty="0"/>
+            </a:p>
+          </p:txBody>
+        </p:sp>
+        <p:sp>
+          <p:nvSpPr>
+            <p:cNvPr id="5" name="圆角矩形 4"/>
+            <p:cNvSpPr/>
+            <p:nvPr/>
+          </p:nvSpPr>
+          <p:spPr>
+            <a:xfrm>
+              <a:off x="2560793" y="3140968"/>
+              <a:ext cx="3960440" cy="432048"/>
+            </a:xfrm>
+            <a:prstGeom prst="roundRect">
+              <a:avLst/>
+            </a:prstGeom>
+          </p:spPr>
+          <p:style>
+            <a:lnRef idx="1">
+              <a:schemeClr val="accent5"/>
+            </a:lnRef>
+            <a:fillRef idx="3">
+              <a:schemeClr val="accent5"/>
+            </a:fillRef>
+            <a:effectRef idx="2">
+              <a:schemeClr val="accent5"/>
+            </a:effectRef>
+            <a:fontRef idx="minor">
+              <a:schemeClr val="lt1"/>
+            </a:fontRef>
+          </p:style>
+          <p:txBody>
+            <a:bodyPr rtlCol="0" anchor="ctr"/>
+            <a:lstStyle/>
+            <a:p>
+              <a:pPr algn="ctr"/>
+              <a:endParaRPr lang="zh-CN" altLang="en-US"/>
+            </a:p>
+          </p:txBody>
+        </p:sp>
+        <p:sp>
+          <p:nvSpPr>
+            <p:cNvPr id="6" name="TextBox 5"/>
+            <p:cNvSpPr txBox="1"/>
+            <p:nvPr/>
+          </p:nvSpPr>
+          <p:spPr>
+            <a:xfrm>
+              <a:off x="827584" y="3043123"/>
+              <a:ext cx="1537793" cy="646331"/>
+            </a:xfrm>
+            <a:prstGeom prst="rect">
+              <a:avLst/>
+            </a:prstGeom>
+            <a:noFill/>
+          </p:spPr>
+          <p:txBody>
+            <a:bodyPr wrap="none" rtlCol="0">
+              <a:spAutoFit/>
+            </a:bodyPr>
+            <a:lstStyle/>
+            <a:p>
+              <a:pPr algn="ctr"/>
+              <a:r>
+                <a:rPr lang="en-US" altLang="zh-CN" dirty="0" smtClean="0"/>
+                <a:t>R# script</a:t>
+              </a:r>
+            </a:p>
+            <a:p>
+              <a:pPr algn="ctr"/>
+              <a:r>
+                <a:rPr lang="en-US" altLang="zh-CN" dirty="0" smtClean="0"/>
+                <a:t>(Main closure)</a:t>
+              </a:r>
+              <a:endParaRPr lang="zh-CN" altLang="en-US" dirty="0"/>
+            </a:p>
+          </p:txBody>
+        </p:sp>
+        <p:sp>
+          <p:nvSpPr>
+            <p:cNvPr id="7" name="TextBox 6"/>
+            <p:cNvSpPr txBox="1"/>
+            <p:nvPr/>
+          </p:nvSpPr>
+          <p:spPr>
+            <a:xfrm>
+              <a:off x="4749705" y="2422195"/>
+              <a:ext cx="2646237" cy="369332"/>
+            </a:xfrm>
+            <a:prstGeom prst="rect">
+              <a:avLst/>
+            </a:prstGeom>
+            <a:noFill/>
+          </p:spPr>
+          <p:txBody>
+            <a:bodyPr wrap="none" rtlCol="0">
+              <a:spAutoFit/>
+            </a:bodyPr>
+            <a:lstStyle/>
+            <a:p>
+              <a:r>
+                <a:rPr lang="en-US" altLang="zh-CN" dirty="0" smtClean="0"/>
+                <a:t>source(filepath, args as ...)</a:t>
+              </a:r>
+              <a:endParaRPr lang="zh-CN" altLang="en-US" dirty="0"/>
+            </a:p>
+          </p:txBody>
+        </p:sp>
+        <p:sp>
+          <p:nvSpPr>
+            <p:cNvPr id="8" name="下箭头 7"/>
+            <p:cNvSpPr/>
+            <p:nvPr/>
+          </p:nvSpPr>
+          <p:spPr>
+            <a:xfrm>
+              <a:off x="2584906" y="2416241"/>
+              <a:ext cx="2097337" cy="626881"/>
+            </a:xfrm>
+            <a:prstGeom prst="downArrow">
+              <a:avLst>
+                <a:gd name="adj1" fmla="val 77792"/>
+                <a:gd name="adj2" fmla="val 32780"/>
+              </a:avLst>
+            </a:prstGeom>
+          </p:spPr>
+          <p:style>
+            <a:lnRef idx="1">
+              <a:schemeClr val="accent1"/>
+            </a:lnRef>
+            <a:fillRef idx="3">
+              <a:schemeClr val="accent1"/>
+            </a:fillRef>
+            <a:effectRef idx="2">
+              <a:schemeClr val="accent1"/>
+            </a:effectRef>
+            <a:fontRef idx="minor">
+              <a:schemeClr val="lt1"/>
+            </a:fontRef>
+          </p:style>
+          <p:txBody>
+            <a:bodyPr rtlCol="0" anchor="ctr"/>
+            <a:lstStyle/>
+            <a:p>
+              <a:pPr algn="ctr"/>
+              <a:r>
+                <a:rPr lang="en-US" altLang="zh-CN" dirty="0" smtClean="0"/>
+                <a:t>parent(global) + arguments</a:t>
+              </a:r>
+              <a:endParaRPr lang="zh-CN" altLang="en-US" dirty="0"/>
+            </a:p>
+          </p:txBody>
+        </p:sp>
+        <p:sp>
+          <p:nvSpPr>
+            <p:cNvPr id="9" name="圆角矩形 8"/>
+            <p:cNvSpPr/>
+            <p:nvPr/>
+          </p:nvSpPr>
+          <p:spPr>
+            <a:xfrm>
+              <a:off x="3267116" y="4293096"/>
+              <a:ext cx="4104456" cy="432048"/>
+            </a:xfrm>
+            <a:prstGeom prst="roundRect">
+              <a:avLst/>
+            </a:prstGeom>
+          </p:spPr>
+          <p:style>
+            <a:lnRef idx="1">
+              <a:schemeClr val="accent1"/>
+            </a:lnRef>
+            <a:fillRef idx="3">
+              <a:schemeClr val="accent1"/>
+            </a:fillRef>
+            <a:effectRef idx="2">
+              <a:schemeClr val="accent1"/>
+            </a:effectRef>
+            <a:fontRef idx="minor">
+              <a:schemeClr val="lt1"/>
+            </a:fontRef>
+          </p:style>
+          <p:txBody>
+            <a:bodyPr rtlCol="0" anchor="ctr"/>
+            <a:lstStyle/>
+            <a:p>
+              <a:pPr algn="ctr"/>
+              <a:endParaRPr lang="zh-CN" altLang="en-US"/>
+            </a:p>
+          </p:txBody>
+        </p:sp>
+        <p:sp>
+          <p:nvSpPr>
+            <p:cNvPr id="10" name="TextBox 9"/>
+            <p:cNvSpPr txBox="1"/>
+            <p:nvPr/>
+          </p:nvSpPr>
+          <p:spPr>
+            <a:xfrm>
+              <a:off x="827584" y="4324454"/>
+              <a:ext cx="1902316" cy="369332"/>
+            </a:xfrm>
+            <a:prstGeom prst="rect">
+              <a:avLst/>
+            </a:prstGeom>
+            <a:noFill/>
+          </p:spPr>
+          <p:txBody>
+            <a:bodyPr wrap="none" rtlCol="0">
+              <a:spAutoFit/>
+            </a:bodyPr>
+            <a:lstStyle/>
+            <a:p>
+              <a:r>
+                <a:rPr lang="en-US" altLang="zh-CN" dirty="0" smtClean="0"/>
+                <a:t>function/closure 1</a:t>
+              </a:r>
+              <a:endParaRPr lang="zh-CN" altLang="en-US" dirty="0"/>
+            </a:p>
+          </p:txBody>
+        </p:sp>
+        <p:sp>
+          <p:nvSpPr>
+            <p:cNvPr id="11" name="下箭头 10"/>
+            <p:cNvSpPr/>
+            <p:nvPr/>
+          </p:nvSpPr>
+          <p:spPr>
+            <a:xfrm>
+              <a:off x="3286814" y="3621794"/>
+              <a:ext cx="3234419" cy="590002"/>
+            </a:xfrm>
+            <a:prstGeom prst="downArrow">
+              <a:avLst>
+                <a:gd name="adj1" fmla="val 77792"/>
+                <a:gd name="adj2" fmla="val 32780"/>
+              </a:avLst>
+            </a:prstGeom>
+          </p:spPr>
+          <p:style>
+            <a:lnRef idx="1">
+              <a:schemeClr val="accent1"/>
+            </a:lnRef>
+            <a:fillRef idx="3">
+              <a:schemeClr val="accent1"/>
+            </a:fillRef>
+            <a:effectRef idx="2">
+              <a:schemeClr val="accent1"/>
+            </a:effectRef>
+            <a:fontRef idx="minor">
+              <a:schemeClr val="lt1"/>
+            </a:fontRef>
+          </p:style>
+          <p:txBody>
+            <a:bodyPr rtlCol="0" anchor="ctr"/>
+            <a:lstStyle/>
+            <a:p>
+              <a:pPr algn="ctr"/>
+              <a:r>
+                <a:rPr lang="en-US" altLang="zh-CN" dirty="0" smtClean="0"/>
+                <a:t>parent(main) + parameters</a:t>
+              </a:r>
+              <a:endParaRPr lang="zh-CN" altLang="en-US" dirty="0"/>
+            </a:p>
+          </p:txBody>
+        </p:sp>
+        <p:sp>
+          <p:nvSpPr>
+            <p:cNvPr id="12" name="圆角矩形 11"/>
+            <p:cNvSpPr/>
+            <p:nvPr/>
+          </p:nvSpPr>
+          <p:spPr>
+            <a:xfrm>
+              <a:off x="4469005" y="5541437"/>
+              <a:ext cx="4104456" cy="432048"/>
+            </a:xfrm>
+            <a:prstGeom prst="roundRect">
+              <a:avLst/>
+            </a:prstGeom>
+          </p:spPr>
+          <p:style>
+            <a:lnRef idx="1">
+              <a:schemeClr val="accent1"/>
+            </a:lnRef>
+            <a:fillRef idx="3">
+              <a:schemeClr val="accent1"/>
+            </a:fillRef>
+            <a:effectRef idx="2">
+              <a:schemeClr val="accent1"/>
+            </a:effectRef>
+            <a:fontRef idx="minor">
+              <a:schemeClr val="lt1"/>
+            </a:fontRef>
+          </p:style>
+          <p:txBody>
+            <a:bodyPr rtlCol="0" anchor="ctr"/>
+            <a:lstStyle/>
+            <a:p>
+              <a:pPr algn="ctr"/>
+              <a:endParaRPr lang="zh-CN" altLang="en-US"/>
+            </a:p>
+          </p:txBody>
+        </p:sp>
+        <p:sp>
+          <p:nvSpPr>
+            <p:cNvPr id="13" name="TextBox 12"/>
+            <p:cNvSpPr txBox="1"/>
+            <p:nvPr/>
+          </p:nvSpPr>
+          <p:spPr>
+            <a:xfrm>
+              <a:off x="827584" y="5572795"/>
+              <a:ext cx="1902316" cy="369332"/>
+            </a:xfrm>
+            <a:prstGeom prst="rect">
+              <a:avLst/>
+            </a:prstGeom>
+            <a:noFill/>
+          </p:spPr>
+          <p:txBody>
+            <a:bodyPr wrap="none" rtlCol="0">
+              <a:spAutoFit/>
+            </a:bodyPr>
+            <a:lstStyle/>
+            <a:p>
+              <a:r>
+                <a:rPr lang="en-US" altLang="zh-CN" dirty="0" smtClean="0"/>
+                <a:t>function/closure 2</a:t>
+              </a:r>
+              <a:endParaRPr lang="zh-CN" altLang="en-US" dirty="0"/>
+            </a:p>
+          </p:txBody>
+        </p:sp>
+        <p:sp>
+          <p:nvSpPr>
+            <p:cNvPr id="14" name="下箭头 13"/>
+            <p:cNvSpPr/>
+            <p:nvPr/>
+          </p:nvSpPr>
+          <p:spPr>
+            <a:xfrm>
+              <a:off x="4488703" y="4870135"/>
+              <a:ext cx="3234419" cy="590002"/>
+            </a:xfrm>
+            <a:prstGeom prst="downArrow">
+              <a:avLst>
+                <a:gd name="adj1" fmla="val 77792"/>
+                <a:gd name="adj2" fmla="val 32780"/>
+              </a:avLst>
+            </a:prstGeom>
+          </p:spPr>
+          <p:style>
+            <a:lnRef idx="1">
+              <a:schemeClr val="accent1"/>
+            </a:lnRef>
+            <a:fillRef idx="3">
+              <a:schemeClr val="accent1"/>
+            </a:fillRef>
+            <a:effectRef idx="2">
+              <a:schemeClr val="accent1"/>
+            </a:effectRef>
+            <a:fontRef idx="minor">
+              <a:schemeClr val="lt1"/>
+            </a:fontRef>
+          </p:style>
+          <p:txBody>
+            <a:bodyPr rtlCol="0" anchor="ctr"/>
+            <a:lstStyle/>
+            <a:p>
+              <a:pPr algn="ctr"/>
+              <a:r>
+                <a:rPr lang="en-US" altLang="zh-CN" dirty="0" smtClean="0"/>
+                <a:t>parent(function) + parameters</a:t>
+              </a:r>
+              <a:endParaRPr lang="zh-CN" altLang="en-US" dirty="0"/>
+            </a:p>
+          </p:txBody>
+        </p:sp>
+      </p:grpSp>
     </p:spTree>
     <p:extLst>
       <p:ext uri="{BB962C8B-B14F-4D97-AF65-F5344CB8AC3E}">

--- a/docs/Figures.pptx
+++ b/docs/Figures.pptx
@@ -8,6 +8,7 @@
     <p:sldId id="256" r:id="rId2"/>
     <p:sldId id="257" r:id="rId3"/>
     <p:sldId id="258" r:id="rId4"/>
+    <p:sldId id="259" r:id="rId5"/>
   </p:sldIdLst>
   <p:sldSz cx="9144000" cy="6858000" type="screen4x3"/>
   <p:notesSz cx="6858000" cy="9144000"/>
@@ -106,6 +107,22 @@
       </a:defRPr>
     </a:lvl9pPr>
   </p:defaultTextStyle>
+  <p:extLst>
+    <p:ext uri="{EFAFB233-063F-42B5-8137-9DF3F51BA10A}">
+      <p15:sldGuideLst xmlns:p15="http://schemas.microsoft.com/office/powerpoint/2012/main">
+        <p15:guide id="1" orient="horz" pos="2160">
+          <p15:clr>
+            <a:srgbClr val="A4A3A4"/>
+          </p15:clr>
+        </p15:guide>
+        <p15:guide id="2" pos="2880">
+          <p15:clr>
+            <a:srgbClr val="A4A3A4"/>
+          </p15:clr>
+        </p15:guide>
+      </p15:sldGuideLst>
+    </p:ext>
+  </p:extLst>
 </p:presentation>
 </file>
 
@@ -290,7 +307,7 @@
           <a:p>
             <a:fld id="{530820CF-B880-4189-942D-D702A7CBA730}" type="datetimeFigureOut">
               <a:rPr lang="zh-CN" altLang="en-US" smtClean="0"/>
-              <a:t>2017/6/19</a:t>
+              <a:t>2017/6/27</a:t>
             </a:fld>
             <a:endParaRPr lang="zh-CN" altLang="en-US"/>
           </a:p>
@@ -455,7 +472,7 @@
           <a:p>
             <a:fld id="{530820CF-B880-4189-942D-D702A7CBA730}" type="datetimeFigureOut">
               <a:rPr lang="zh-CN" altLang="en-US" smtClean="0"/>
-              <a:t>2017/6/19</a:t>
+              <a:t>2017/6/27</a:t>
             </a:fld>
             <a:endParaRPr lang="zh-CN" altLang="en-US"/>
           </a:p>
@@ -630,7 +647,7 @@
           <a:p>
             <a:fld id="{530820CF-B880-4189-942D-D702A7CBA730}" type="datetimeFigureOut">
               <a:rPr lang="zh-CN" altLang="en-US" smtClean="0"/>
-              <a:t>2017/6/19</a:t>
+              <a:t>2017/6/27</a:t>
             </a:fld>
             <a:endParaRPr lang="zh-CN" altLang="en-US"/>
           </a:p>
@@ -795,7 +812,7 @@
           <a:p>
             <a:fld id="{530820CF-B880-4189-942D-D702A7CBA730}" type="datetimeFigureOut">
               <a:rPr lang="zh-CN" altLang="en-US" smtClean="0"/>
-              <a:t>2017/6/19</a:t>
+              <a:t>2017/6/27</a:t>
             </a:fld>
             <a:endParaRPr lang="zh-CN" altLang="en-US"/>
           </a:p>
@@ -1036,7 +1053,7 @@
           <a:p>
             <a:fld id="{530820CF-B880-4189-942D-D702A7CBA730}" type="datetimeFigureOut">
               <a:rPr lang="zh-CN" altLang="en-US" smtClean="0"/>
-              <a:t>2017/6/19</a:t>
+              <a:t>2017/6/27</a:t>
             </a:fld>
             <a:endParaRPr lang="zh-CN" altLang="en-US"/>
           </a:p>
@@ -1319,7 +1336,7 @@
           <a:p>
             <a:fld id="{530820CF-B880-4189-942D-D702A7CBA730}" type="datetimeFigureOut">
               <a:rPr lang="zh-CN" altLang="en-US" smtClean="0"/>
-              <a:t>2017/6/19</a:t>
+              <a:t>2017/6/27</a:t>
             </a:fld>
             <a:endParaRPr lang="zh-CN" altLang="en-US"/>
           </a:p>
@@ -1736,7 +1753,7 @@
           <a:p>
             <a:fld id="{530820CF-B880-4189-942D-D702A7CBA730}" type="datetimeFigureOut">
               <a:rPr lang="zh-CN" altLang="en-US" smtClean="0"/>
-              <a:t>2017/6/19</a:t>
+              <a:t>2017/6/27</a:t>
             </a:fld>
             <a:endParaRPr lang="zh-CN" altLang="en-US"/>
           </a:p>
@@ -1849,7 +1866,7 @@
           <a:p>
             <a:fld id="{530820CF-B880-4189-942D-D702A7CBA730}" type="datetimeFigureOut">
               <a:rPr lang="zh-CN" altLang="en-US" smtClean="0"/>
-              <a:t>2017/6/19</a:t>
+              <a:t>2017/6/27</a:t>
             </a:fld>
             <a:endParaRPr lang="zh-CN" altLang="en-US"/>
           </a:p>
@@ -1939,7 +1956,7 @@
           <a:p>
             <a:fld id="{530820CF-B880-4189-942D-D702A7CBA730}" type="datetimeFigureOut">
               <a:rPr lang="zh-CN" altLang="en-US" smtClean="0"/>
-              <a:t>2017/6/19</a:t>
+              <a:t>2017/6/27</a:t>
             </a:fld>
             <a:endParaRPr lang="zh-CN" altLang="en-US"/>
           </a:p>
@@ -2211,7 +2228,7 @@
           <a:p>
             <a:fld id="{530820CF-B880-4189-942D-D702A7CBA730}" type="datetimeFigureOut">
               <a:rPr lang="zh-CN" altLang="en-US" smtClean="0"/>
-              <a:t>2017/6/19</a:t>
+              <a:t>2017/6/27</a:t>
             </a:fld>
             <a:endParaRPr lang="zh-CN" altLang="en-US"/>
           </a:p>
@@ -2459,7 +2476,7 @@
           <a:p>
             <a:fld id="{530820CF-B880-4189-942D-D702A7CBA730}" type="datetimeFigureOut">
               <a:rPr lang="zh-CN" altLang="en-US" smtClean="0"/>
-              <a:t>2017/6/19</a:t>
+              <a:t>2017/6/27</a:t>
             </a:fld>
             <a:endParaRPr lang="zh-CN" altLang="en-US"/>
           </a:p>
@@ -2667,7 +2684,7 @@
           <a:p>
             <a:fld id="{530820CF-B880-4189-942D-D702A7CBA730}" type="datetimeFigureOut">
               <a:rPr lang="zh-CN" altLang="en-US" smtClean="0"/>
-              <a:t>2017/6/19</a:t>
+              <a:t>2017/6/27</a:t>
             </a:fld>
             <a:endParaRPr lang="zh-CN" altLang="en-US"/>
           </a:p>
@@ -3750,6 +3767,628 @@
 </p:sld>
 </file>
 
+<file path=ppt/slides/slide4.xml><?xml version="1.0" encoding="utf-8"?>
+<p:sld xmlns:a="http://schemas.openxmlformats.org/drawingml/2006/main" xmlns:r="http://schemas.openxmlformats.org/officeDocument/2006/relationships" xmlns:p="http://schemas.openxmlformats.org/presentationml/2006/main">
+  <p:cSld>
+    <p:spTree>
+      <p:nvGrpSpPr>
+        <p:cNvPr id="1" name=""/>
+        <p:cNvGrpSpPr/>
+        <p:nvPr/>
+      </p:nvGrpSpPr>
+      <p:grpSpPr>
+        <a:xfrm>
+          <a:off x="0" y="0"/>
+          <a:ext cx="0" cy="0"/>
+          <a:chOff x="0" y="0"/>
+          <a:chExt cx="0" cy="0"/>
+        </a:xfrm>
+      </p:grpSpPr>
+      <p:sp>
+        <p:nvSpPr>
+          <p:cNvPr id="2" name="Title 1"/>
+          <p:cNvSpPr>
+            <a:spLocks noGrp="1"/>
+          </p:cNvSpPr>
+          <p:nvPr>
+            <p:ph type="title"/>
+          </p:nvPr>
+        </p:nvSpPr>
+        <p:spPr/>
+        <p:txBody>
+          <a:bodyPr/>
+          <a:lstStyle/>
+          <a:p>
+            <a:endParaRPr lang="en-US" dirty="0"/>
+          </a:p>
+        </p:txBody>
+      </p:sp>
+      <p:grpSp>
+        <p:nvGrpSpPr>
+          <p:cNvPr id="18" name="Group 17"/>
+          <p:cNvGrpSpPr/>
+          <p:nvPr/>
+        </p:nvGrpSpPr>
+        <p:grpSpPr>
+          <a:xfrm>
+            <a:off x="349928" y="2132856"/>
+            <a:ext cx="8328720" cy="4405451"/>
+            <a:chOff x="349928" y="2132856"/>
+            <a:chExt cx="8328720" cy="4405451"/>
+          </a:xfrm>
+        </p:grpSpPr>
+        <p:sp>
+          <p:nvSpPr>
+            <p:cNvPr id="4" name="Rectangle 3"/>
+            <p:cNvSpPr/>
+            <p:nvPr/>
+          </p:nvSpPr>
+          <p:spPr>
+            <a:xfrm>
+              <a:off x="349928" y="2132856"/>
+              <a:ext cx="5616624" cy="2088232"/>
+            </a:xfrm>
+            <a:prstGeom prst="rect">
+              <a:avLst/>
+            </a:prstGeom>
+          </p:spPr>
+          <p:style>
+            <a:lnRef idx="3">
+              <a:schemeClr val="lt1"/>
+            </a:lnRef>
+            <a:fillRef idx="1">
+              <a:schemeClr val="accent1"/>
+            </a:fillRef>
+            <a:effectRef idx="1">
+              <a:schemeClr val="accent1"/>
+            </a:effectRef>
+            <a:fontRef idx="minor">
+              <a:schemeClr val="lt1"/>
+            </a:fontRef>
+          </p:style>
+          <p:txBody>
+            <a:bodyPr rtlCol="0" anchor="ctr"/>
+            <a:lstStyle/>
+            <a:p>
+              <a:pPr algn="ctr"/>
+              <a:endParaRPr lang="en-US"/>
+            </a:p>
+          </p:txBody>
+        </p:sp>
+        <p:sp>
+          <p:nvSpPr>
+            <p:cNvPr id="5" name="Rectangle 4"/>
+            <p:cNvSpPr/>
+            <p:nvPr/>
+          </p:nvSpPr>
+          <p:spPr>
+            <a:xfrm>
+              <a:off x="635375" y="2317007"/>
+              <a:ext cx="1872208" cy="576064"/>
+            </a:xfrm>
+            <a:prstGeom prst="rect">
+              <a:avLst/>
+            </a:prstGeom>
+          </p:spPr>
+          <p:style>
+            <a:lnRef idx="2">
+              <a:schemeClr val="accent5">
+                <a:shade val="50000"/>
+              </a:schemeClr>
+            </a:lnRef>
+            <a:fillRef idx="1">
+              <a:schemeClr val="accent5"/>
+            </a:fillRef>
+            <a:effectRef idx="0">
+              <a:schemeClr val="accent5"/>
+            </a:effectRef>
+            <a:fontRef idx="minor">
+              <a:schemeClr val="lt1"/>
+            </a:fontRef>
+          </p:style>
+          <p:txBody>
+            <a:bodyPr rtlCol="0" anchor="ctr"/>
+            <a:lstStyle/>
+            <a:p>
+              <a:pPr algn="ctr"/>
+              <a:r>
+                <a:rPr lang="en-US" dirty="0" err="1" smtClean="0"/>
+                <a:t>var</a:t>
+              </a:r>
+              <a:r>
+                <a:rPr lang="en-US" dirty="0" smtClean="0"/>
+                <a:t> x as </a:t>
+              </a:r>
+              <a:r>
+                <a:rPr lang="en-US" dirty="0" smtClean="0"/>
+                <a:t>integer</a:t>
+              </a:r>
+              <a:endParaRPr lang="en-US" dirty="0"/>
+            </a:p>
+          </p:txBody>
+        </p:sp>
+        <p:sp>
+          <p:nvSpPr>
+            <p:cNvPr id="6" name="Rectangle 5"/>
+            <p:cNvSpPr/>
+            <p:nvPr/>
+          </p:nvSpPr>
+          <p:spPr>
+            <a:xfrm>
+              <a:off x="3376850" y="2317007"/>
+              <a:ext cx="1872208" cy="576064"/>
+            </a:xfrm>
+            <a:prstGeom prst="rect">
+              <a:avLst/>
+            </a:prstGeom>
+          </p:spPr>
+          <p:style>
+            <a:lnRef idx="2">
+              <a:schemeClr val="accent2">
+                <a:shade val="50000"/>
+              </a:schemeClr>
+            </a:lnRef>
+            <a:fillRef idx="1">
+              <a:schemeClr val="accent2"/>
+            </a:fillRef>
+            <a:effectRef idx="0">
+              <a:schemeClr val="accent2"/>
+            </a:effectRef>
+            <a:fontRef idx="minor">
+              <a:schemeClr val="lt1"/>
+            </a:fontRef>
+          </p:style>
+          <p:txBody>
+            <a:bodyPr rtlCol="0" anchor="ctr"/>
+            <a:lstStyle/>
+            <a:p>
+              <a:pPr algn="ctr"/>
+              <a:r>
+                <a:rPr lang="en-US" dirty="0" smtClean="0"/>
+                <a:t>1+2+3</a:t>
+              </a:r>
+              <a:endParaRPr lang="en-US" dirty="0"/>
+            </a:p>
+          </p:txBody>
+        </p:sp>
+        <p:sp>
+          <p:nvSpPr>
+            <p:cNvPr id="7" name="Down Arrow 6"/>
+            <p:cNvSpPr/>
+            <p:nvPr/>
+          </p:nvSpPr>
+          <p:spPr>
+            <a:xfrm>
+              <a:off x="1355455" y="2965079"/>
+              <a:ext cx="432048" cy="648072"/>
+            </a:xfrm>
+            <a:prstGeom prst="downArrow">
+              <a:avLst/>
+            </a:prstGeom>
+          </p:spPr>
+          <p:style>
+            <a:lnRef idx="2">
+              <a:schemeClr val="accent1">
+                <a:shade val="50000"/>
+              </a:schemeClr>
+            </a:lnRef>
+            <a:fillRef idx="1">
+              <a:schemeClr val="accent1"/>
+            </a:fillRef>
+            <a:effectRef idx="0">
+              <a:schemeClr val="accent1"/>
+            </a:effectRef>
+            <a:fontRef idx="minor">
+              <a:schemeClr val="lt1"/>
+            </a:fontRef>
+          </p:style>
+          <p:txBody>
+            <a:bodyPr rtlCol="0" anchor="ctr"/>
+            <a:lstStyle/>
+            <a:p>
+              <a:pPr algn="ctr"/>
+              <a:endParaRPr lang="en-US"/>
+            </a:p>
+          </p:txBody>
+        </p:sp>
+        <p:sp>
+          <p:nvSpPr>
+            <p:cNvPr id="3" name="Rectangle 2"/>
+            <p:cNvSpPr/>
+            <p:nvPr/>
+          </p:nvSpPr>
+          <p:spPr>
+            <a:xfrm>
+              <a:off x="2580506" y="2458592"/>
+              <a:ext cx="723420" cy="292894"/>
+            </a:xfrm>
+            <a:prstGeom prst="rect">
+              <a:avLst/>
+            </a:prstGeom>
+          </p:spPr>
+          <p:style>
+            <a:lnRef idx="2">
+              <a:schemeClr val="accent1">
+                <a:shade val="50000"/>
+              </a:schemeClr>
+            </a:lnRef>
+            <a:fillRef idx="1">
+              <a:schemeClr val="accent1"/>
+            </a:fillRef>
+            <a:effectRef idx="0">
+              <a:schemeClr val="accent1"/>
+            </a:effectRef>
+            <a:fontRef idx="minor">
+              <a:schemeClr val="lt1"/>
+            </a:fontRef>
+          </p:style>
+          <p:txBody>
+            <a:bodyPr rtlCol="0" anchor="ctr"/>
+            <a:lstStyle/>
+            <a:p>
+              <a:pPr algn="ctr"/>
+              <a:r>
+                <a:rPr lang="en-US" dirty="0" smtClean="0"/>
+                <a:t>&lt;-</a:t>
+              </a:r>
+              <a:endParaRPr lang="en-US" dirty="0"/>
+            </a:p>
+          </p:txBody>
+        </p:sp>
+        <p:sp>
+          <p:nvSpPr>
+            <p:cNvPr id="8" name="Down Arrow 7"/>
+            <p:cNvSpPr/>
+            <p:nvPr/>
+          </p:nvSpPr>
+          <p:spPr>
+            <a:xfrm>
+              <a:off x="2726192" y="2986594"/>
+              <a:ext cx="432048" cy="648072"/>
+            </a:xfrm>
+            <a:prstGeom prst="downArrow">
+              <a:avLst/>
+            </a:prstGeom>
+          </p:spPr>
+          <p:style>
+            <a:lnRef idx="2">
+              <a:schemeClr val="accent1">
+                <a:shade val="50000"/>
+              </a:schemeClr>
+            </a:lnRef>
+            <a:fillRef idx="1">
+              <a:schemeClr val="accent1"/>
+            </a:fillRef>
+            <a:effectRef idx="0">
+              <a:schemeClr val="accent1"/>
+            </a:effectRef>
+            <a:fontRef idx="minor">
+              <a:schemeClr val="lt1"/>
+            </a:fontRef>
+          </p:style>
+          <p:txBody>
+            <a:bodyPr rtlCol="0" anchor="ctr"/>
+            <a:lstStyle/>
+            <a:p>
+              <a:pPr algn="ctr"/>
+              <a:endParaRPr lang="en-US"/>
+            </a:p>
+          </p:txBody>
+        </p:sp>
+        <p:sp>
+          <p:nvSpPr>
+            <p:cNvPr id="9" name="Down Arrow 8"/>
+            <p:cNvSpPr/>
+            <p:nvPr/>
+          </p:nvSpPr>
+          <p:spPr>
+            <a:xfrm>
+              <a:off x="4212247" y="3001083"/>
+              <a:ext cx="432048" cy="648072"/>
+            </a:xfrm>
+            <a:prstGeom prst="downArrow">
+              <a:avLst/>
+            </a:prstGeom>
+          </p:spPr>
+          <p:style>
+            <a:lnRef idx="2">
+              <a:schemeClr val="accent1">
+                <a:shade val="50000"/>
+              </a:schemeClr>
+            </a:lnRef>
+            <a:fillRef idx="1">
+              <a:schemeClr val="accent1"/>
+            </a:fillRef>
+            <a:effectRef idx="0">
+              <a:schemeClr val="accent1"/>
+            </a:effectRef>
+            <a:fontRef idx="minor">
+              <a:schemeClr val="lt1"/>
+            </a:fontRef>
+          </p:style>
+          <p:txBody>
+            <a:bodyPr rtlCol="0" anchor="ctr"/>
+            <a:lstStyle/>
+            <a:p>
+              <a:pPr algn="ctr"/>
+              <a:endParaRPr lang="en-US"/>
+            </a:p>
+          </p:txBody>
+        </p:sp>
+        <p:sp>
+          <p:nvSpPr>
+            <p:cNvPr id="10" name="TextBox 9"/>
+            <p:cNvSpPr txBox="1"/>
+            <p:nvPr/>
+          </p:nvSpPr>
+          <p:spPr>
+            <a:xfrm>
+              <a:off x="1355455" y="3829175"/>
+              <a:ext cx="543290" cy="369332"/>
+            </a:xfrm>
+            <a:prstGeom prst="rect">
+              <a:avLst/>
+            </a:prstGeom>
+            <a:noFill/>
+          </p:spPr>
+          <p:txBody>
+            <a:bodyPr wrap="none" rtlCol="0">
+              <a:spAutoFit/>
+            </a:bodyPr>
+            <a:lstStyle/>
+            <a:p>
+              <a:r>
+                <a:rPr lang="en-US" dirty="0" smtClean="0"/>
+                <a:t>Left</a:t>
+              </a:r>
+              <a:endParaRPr lang="en-US" dirty="0"/>
+            </a:p>
+          </p:txBody>
+        </p:sp>
+        <p:sp>
+          <p:nvSpPr>
+            <p:cNvPr id="11" name="TextBox 10"/>
+            <p:cNvSpPr txBox="1"/>
+            <p:nvPr/>
+          </p:nvSpPr>
+          <p:spPr>
+            <a:xfrm>
+              <a:off x="2100222" y="3829175"/>
+              <a:ext cx="1683987" cy="369332"/>
+            </a:xfrm>
+            <a:prstGeom prst="rect">
+              <a:avLst/>
+            </a:prstGeom>
+            <a:noFill/>
+          </p:spPr>
+          <p:txBody>
+            <a:bodyPr wrap="none" rtlCol="0">
+              <a:spAutoFit/>
+            </a:bodyPr>
+            <a:lstStyle/>
+            <a:p>
+              <a:r>
+                <a:rPr lang="en-US" dirty="0" smtClean="0"/>
+                <a:t>Assign Operator</a:t>
+              </a:r>
+              <a:endParaRPr lang="en-US" dirty="0"/>
+            </a:p>
+          </p:txBody>
+        </p:sp>
+        <p:sp>
+          <p:nvSpPr>
+            <p:cNvPr id="12" name="TextBox 11"/>
+            <p:cNvSpPr txBox="1"/>
+            <p:nvPr/>
+          </p:nvSpPr>
+          <p:spPr>
+            <a:xfrm>
+              <a:off x="3878793" y="3829175"/>
+              <a:ext cx="1759008" cy="369332"/>
+            </a:xfrm>
+            <a:prstGeom prst="rect">
+              <a:avLst/>
+            </a:prstGeom>
+            <a:noFill/>
+          </p:spPr>
+          <p:txBody>
+            <a:bodyPr wrap="none" rtlCol="0">
+              <a:spAutoFit/>
+            </a:bodyPr>
+            <a:lstStyle/>
+            <a:p>
+              <a:r>
+                <a:rPr lang="en-US" dirty="0" smtClean="0"/>
+                <a:t>Value Expression</a:t>
+              </a:r>
+              <a:endParaRPr lang="en-US" dirty="0"/>
+            </a:p>
+          </p:txBody>
+        </p:sp>
+        <p:sp>
+          <p:nvSpPr>
+            <p:cNvPr id="13" name="TextBox 12"/>
+            <p:cNvSpPr txBox="1"/>
+            <p:nvPr/>
+          </p:nvSpPr>
+          <p:spPr>
+            <a:xfrm>
+              <a:off x="5977972" y="3001083"/>
+              <a:ext cx="2700676" cy="369332"/>
+            </a:xfrm>
+            <a:prstGeom prst="rect">
+              <a:avLst/>
+            </a:prstGeom>
+            <a:noFill/>
+          </p:spPr>
+          <p:txBody>
+            <a:bodyPr wrap="none" rtlCol="0">
+              <a:spAutoFit/>
+            </a:bodyPr>
+            <a:lstStyle/>
+            <a:p>
+              <a:r>
+                <a:rPr lang="en-US" dirty="0" smtClean="0"/>
+                <a:t>Variable declare statement</a:t>
+              </a:r>
+              <a:endParaRPr lang="en-US" dirty="0"/>
+            </a:p>
+          </p:txBody>
+        </p:sp>
+        <p:sp>
+          <p:nvSpPr>
+            <p:cNvPr id="14" name="Down Arrow 13"/>
+            <p:cNvSpPr/>
+            <p:nvPr/>
+          </p:nvSpPr>
+          <p:spPr>
+            <a:xfrm>
+              <a:off x="4212247" y="4385171"/>
+              <a:ext cx="504056" cy="607937"/>
+            </a:xfrm>
+            <a:prstGeom prst="downArrow">
+              <a:avLst/>
+            </a:prstGeom>
+          </p:spPr>
+          <p:style>
+            <a:lnRef idx="2">
+              <a:schemeClr val="accent1">
+                <a:shade val="50000"/>
+              </a:schemeClr>
+            </a:lnRef>
+            <a:fillRef idx="1">
+              <a:schemeClr val="accent1"/>
+            </a:fillRef>
+            <a:effectRef idx="0">
+              <a:schemeClr val="accent1"/>
+            </a:effectRef>
+            <a:fontRef idx="minor">
+              <a:schemeClr val="lt1"/>
+            </a:fontRef>
+          </p:style>
+          <p:txBody>
+            <a:bodyPr rtlCol="0" anchor="ctr"/>
+            <a:lstStyle/>
+            <a:p>
+              <a:pPr algn="ctr"/>
+              <a:endParaRPr lang="en-US"/>
+            </a:p>
+          </p:txBody>
+        </p:sp>
+        <p:sp>
+          <p:nvSpPr>
+            <p:cNvPr id="15" name="TextBox 14"/>
+            <p:cNvSpPr txBox="1"/>
+            <p:nvPr/>
+          </p:nvSpPr>
+          <p:spPr>
+            <a:xfrm>
+              <a:off x="3563888" y="5046444"/>
+              <a:ext cx="2511521" cy="369332"/>
+            </a:xfrm>
+            <a:prstGeom prst="rect">
+              <a:avLst/>
+            </a:prstGeom>
+            <a:noFill/>
+          </p:spPr>
+          <p:txBody>
+            <a:bodyPr wrap="none" rtlCol="0">
+              <a:spAutoFit/>
+            </a:bodyPr>
+            <a:lstStyle/>
+            <a:p>
+              <a:r>
+                <a:rPr lang="en-US" dirty="0" smtClean="0"/>
+                <a:t>Simple Expression Parser</a:t>
+              </a:r>
+              <a:endParaRPr lang="en-US" dirty="0"/>
+            </a:p>
+          </p:txBody>
+        </p:sp>
+        <p:sp>
+          <p:nvSpPr>
+            <p:cNvPr id="16" name="Down Arrow 15"/>
+            <p:cNvSpPr/>
+            <p:nvPr/>
+          </p:nvSpPr>
+          <p:spPr>
+            <a:xfrm>
+              <a:off x="4212247" y="5469112"/>
+              <a:ext cx="504056" cy="607937"/>
+            </a:xfrm>
+            <a:prstGeom prst="downArrow">
+              <a:avLst/>
+            </a:prstGeom>
+          </p:spPr>
+          <p:style>
+            <a:lnRef idx="2">
+              <a:schemeClr val="accent1">
+                <a:shade val="50000"/>
+              </a:schemeClr>
+            </a:lnRef>
+            <a:fillRef idx="1">
+              <a:schemeClr val="accent1"/>
+            </a:fillRef>
+            <a:effectRef idx="0">
+              <a:schemeClr val="accent1"/>
+            </a:effectRef>
+            <a:fontRef idx="minor">
+              <a:schemeClr val="lt1"/>
+            </a:fontRef>
+          </p:style>
+          <p:txBody>
+            <a:bodyPr rtlCol="0" anchor="ctr"/>
+            <a:lstStyle/>
+            <a:p>
+              <a:pPr algn="ctr"/>
+              <a:endParaRPr lang="en-US"/>
+            </a:p>
+          </p:txBody>
+        </p:sp>
+        <p:sp>
+          <p:nvSpPr>
+            <p:cNvPr id="17" name="TextBox 16"/>
+            <p:cNvSpPr txBox="1"/>
+            <p:nvPr/>
+          </p:nvSpPr>
+          <p:spPr>
+            <a:xfrm>
+              <a:off x="3692496" y="6168975"/>
+              <a:ext cx="2075761" cy="369332"/>
+            </a:xfrm>
+            <a:prstGeom prst="rect">
+              <a:avLst/>
+            </a:prstGeom>
+            <a:noFill/>
+          </p:spPr>
+          <p:txBody>
+            <a:bodyPr wrap="none" rtlCol="0">
+              <a:spAutoFit/>
+            </a:bodyPr>
+            <a:lstStyle/>
+            <a:p>
+              <a:r>
+                <a:rPr lang="en-US" dirty="0" smtClean="0"/>
+                <a:t>Primitive Expression</a:t>
+              </a:r>
+              <a:endParaRPr lang="en-US" dirty="0"/>
+            </a:p>
+          </p:txBody>
+        </p:sp>
+      </p:grpSp>
+    </p:spTree>
+    <p:extLst>
+      <p:ext uri="{BB962C8B-B14F-4D97-AF65-F5344CB8AC3E}">
+        <p14:creationId xmlns:p14="http://schemas.microsoft.com/office/powerpoint/2010/main" val="1305802154"/>
+      </p:ext>
+    </p:extLst>
+  </p:cSld>
+  <p:clrMapOvr>
+    <a:masterClrMapping/>
+  </p:clrMapOvr>
+</p:sld>
+</file>
+
 <file path=ppt/theme/theme1.xml><?xml version="1.0" encoding="utf-8"?>
 <a:theme xmlns:a="http://schemas.openxmlformats.org/drawingml/2006/main" name="Office 主题">
   <a:themeElements>

--- a/docs/Figures.pptx
+++ b/docs/Figures.pptx
@@ -9,6 +9,7 @@
     <p:sldId id="257" r:id="rId3"/>
     <p:sldId id="258" r:id="rId4"/>
     <p:sldId id="259" r:id="rId5"/>
+    <p:sldId id="260" r:id="rId6"/>
   </p:sldIdLst>
   <p:sldSz cx="9144000" cy="6858000" type="screen4x3"/>
   <p:notesSz cx="6858000" cy="9144000"/>
@@ -126,6 +127,10 @@
 </p:presentation>
 </file>
 
+<file path=ppt/revisionInfo.xml><?xml version="1.0" encoding="utf-8"?>
+<p1510:revInfo xmlns:a="http://schemas.openxmlformats.org/drawingml/2006/main" xmlns:r="http://schemas.openxmlformats.org/officeDocument/2006/relationships" xmlns:p1510="http://schemas.microsoft.com/office/powerpoint/2015/10/main"/>
+</file>
+
 <file path=ppt/slideLayouts/slideLayout1.xml><?xml version="1.0" encoding="utf-8"?>
 <p:sldLayout xmlns:a="http://schemas.openxmlformats.org/drawingml/2006/main" xmlns:r="http://schemas.openxmlformats.org/officeDocument/2006/relationships" xmlns:p="http://schemas.openxmlformats.org/presentationml/2006/main" type="title" preserve="1">
   <p:cSld name="标题幻灯片">
@@ -164,10 +169,9 @@
           <a:lstStyle/>
           <a:p>
             <a:r>
-              <a:rPr lang="zh-CN" altLang="en-US" smtClean="0"/>
+              <a:rPr lang="zh-CN" altLang="en-US"/>
               <a:t>单击此处编辑母版标题样式</a:t>
             </a:r>
-            <a:endParaRPr lang="zh-CN" altLang="en-US"/>
           </a:p>
         </p:txBody>
       </p:sp>
@@ -283,10 +287,9 @@
           </a:lstStyle>
           <a:p>
             <a:r>
-              <a:rPr lang="zh-CN" altLang="en-US" smtClean="0"/>
+              <a:rPr lang="zh-CN" altLang="en-US"/>
               <a:t>单击此处编辑母版副标题样式</a:t>
             </a:r>
-            <a:endParaRPr lang="zh-CN" altLang="en-US"/>
           </a:p>
         </p:txBody>
       </p:sp>
@@ -307,7 +310,7 @@
           <a:p>
             <a:fld id="{530820CF-B880-4189-942D-D702A7CBA730}" type="datetimeFigureOut">
               <a:rPr lang="zh-CN" altLang="en-US" smtClean="0"/>
-              <a:t>2017/6/27</a:t>
+              <a:t>2017/7/28</a:t>
             </a:fld>
             <a:endParaRPr lang="zh-CN" altLang="en-US"/>
           </a:p>
@@ -396,10 +399,9 @@
           <a:lstStyle/>
           <a:p>
             <a:r>
-              <a:rPr lang="zh-CN" altLang="en-US" smtClean="0"/>
+              <a:rPr lang="zh-CN" altLang="en-US"/>
               <a:t>单击此处编辑母版标题样式</a:t>
             </a:r>
-            <a:endParaRPr lang="zh-CN" altLang="en-US"/>
           </a:p>
         </p:txBody>
       </p:sp>
@@ -420,38 +422,37 @@
           <a:p>
             <a:pPr lvl="0"/>
             <a:r>
-              <a:rPr lang="zh-CN" altLang="en-US" smtClean="0"/>
+              <a:rPr lang="zh-CN" altLang="en-US"/>
               <a:t>单击此处编辑母版文本样式</a:t>
             </a:r>
           </a:p>
           <a:p>
             <a:pPr lvl="1"/>
             <a:r>
-              <a:rPr lang="zh-CN" altLang="en-US" smtClean="0"/>
+              <a:rPr lang="zh-CN" altLang="en-US"/>
               <a:t>第二级</a:t>
             </a:r>
           </a:p>
           <a:p>
             <a:pPr lvl="2"/>
             <a:r>
-              <a:rPr lang="zh-CN" altLang="en-US" smtClean="0"/>
+              <a:rPr lang="zh-CN" altLang="en-US"/>
               <a:t>第三级</a:t>
             </a:r>
           </a:p>
           <a:p>
             <a:pPr lvl="3"/>
             <a:r>
-              <a:rPr lang="zh-CN" altLang="en-US" smtClean="0"/>
+              <a:rPr lang="zh-CN" altLang="en-US"/>
               <a:t>第四级</a:t>
             </a:r>
           </a:p>
           <a:p>
             <a:pPr lvl="4"/>
             <a:r>
-              <a:rPr lang="zh-CN" altLang="en-US" smtClean="0"/>
+              <a:rPr lang="zh-CN" altLang="en-US"/>
               <a:t>第五级</a:t>
             </a:r>
-            <a:endParaRPr lang="zh-CN" altLang="en-US"/>
           </a:p>
         </p:txBody>
       </p:sp>
@@ -472,7 +473,7 @@
           <a:p>
             <a:fld id="{530820CF-B880-4189-942D-D702A7CBA730}" type="datetimeFigureOut">
               <a:rPr lang="zh-CN" altLang="en-US" smtClean="0"/>
-              <a:t>2017/6/27</a:t>
+              <a:t>2017/7/28</a:t>
             </a:fld>
             <a:endParaRPr lang="zh-CN" altLang="en-US"/>
           </a:p>
@@ -566,10 +567,9 @@
           <a:lstStyle/>
           <a:p>
             <a:r>
-              <a:rPr lang="zh-CN" altLang="en-US" smtClean="0"/>
+              <a:rPr lang="zh-CN" altLang="en-US"/>
               <a:t>单击此处编辑母版标题样式</a:t>
             </a:r>
-            <a:endParaRPr lang="zh-CN" altLang="en-US"/>
           </a:p>
         </p:txBody>
       </p:sp>
@@ -595,38 +595,37 @@
           <a:p>
             <a:pPr lvl="0"/>
             <a:r>
-              <a:rPr lang="zh-CN" altLang="en-US" smtClean="0"/>
+              <a:rPr lang="zh-CN" altLang="en-US"/>
               <a:t>单击此处编辑母版文本样式</a:t>
             </a:r>
           </a:p>
           <a:p>
             <a:pPr lvl="1"/>
             <a:r>
-              <a:rPr lang="zh-CN" altLang="en-US" smtClean="0"/>
+              <a:rPr lang="zh-CN" altLang="en-US"/>
               <a:t>第二级</a:t>
             </a:r>
           </a:p>
           <a:p>
             <a:pPr lvl="2"/>
             <a:r>
-              <a:rPr lang="zh-CN" altLang="en-US" smtClean="0"/>
+              <a:rPr lang="zh-CN" altLang="en-US"/>
               <a:t>第三级</a:t>
             </a:r>
           </a:p>
           <a:p>
             <a:pPr lvl="3"/>
             <a:r>
-              <a:rPr lang="zh-CN" altLang="en-US" smtClean="0"/>
+              <a:rPr lang="zh-CN" altLang="en-US"/>
               <a:t>第四级</a:t>
             </a:r>
           </a:p>
           <a:p>
             <a:pPr lvl="4"/>
             <a:r>
-              <a:rPr lang="zh-CN" altLang="en-US" smtClean="0"/>
+              <a:rPr lang="zh-CN" altLang="en-US"/>
               <a:t>第五级</a:t>
             </a:r>
-            <a:endParaRPr lang="zh-CN" altLang="en-US"/>
           </a:p>
         </p:txBody>
       </p:sp>
@@ -647,7 +646,7 @@
           <a:p>
             <a:fld id="{530820CF-B880-4189-942D-D702A7CBA730}" type="datetimeFigureOut">
               <a:rPr lang="zh-CN" altLang="en-US" smtClean="0"/>
-              <a:t>2017/6/27</a:t>
+              <a:t>2017/7/28</a:t>
             </a:fld>
             <a:endParaRPr lang="zh-CN" altLang="en-US"/>
           </a:p>
@@ -736,10 +735,9 @@
           <a:lstStyle/>
           <a:p>
             <a:r>
-              <a:rPr lang="zh-CN" altLang="en-US" smtClean="0"/>
+              <a:rPr lang="zh-CN" altLang="en-US"/>
               <a:t>单击此处编辑母版标题样式</a:t>
             </a:r>
-            <a:endParaRPr lang="zh-CN" altLang="en-US"/>
           </a:p>
         </p:txBody>
       </p:sp>
@@ -760,38 +758,37 @@
           <a:p>
             <a:pPr lvl="0"/>
             <a:r>
-              <a:rPr lang="zh-CN" altLang="en-US" smtClean="0"/>
+              <a:rPr lang="zh-CN" altLang="en-US"/>
               <a:t>单击此处编辑母版文本样式</a:t>
             </a:r>
           </a:p>
           <a:p>
             <a:pPr lvl="1"/>
             <a:r>
-              <a:rPr lang="zh-CN" altLang="en-US" smtClean="0"/>
+              <a:rPr lang="zh-CN" altLang="en-US"/>
               <a:t>第二级</a:t>
             </a:r>
           </a:p>
           <a:p>
             <a:pPr lvl="2"/>
             <a:r>
-              <a:rPr lang="zh-CN" altLang="en-US" smtClean="0"/>
+              <a:rPr lang="zh-CN" altLang="en-US"/>
               <a:t>第三级</a:t>
             </a:r>
           </a:p>
           <a:p>
             <a:pPr lvl="3"/>
             <a:r>
-              <a:rPr lang="zh-CN" altLang="en-US" smtClean="0"/>
+              <a:rPr lang="zh-CN" altLang="en-US"/>
               <a:t>第四级</a:t>
             </a:r>
           </a:p>
           <a:p>
             <a:pPr lvl="4"/>
             <a:r>
-              <a:rPr lang="zh-CN" altLang="en-US" smtClean="0"/>
+              <a:rPr lang="zh-CN" altLang="en-US"/>
               <a:t>第五级</a:t>
             </a:r>
-            <a:endParaRPr lang="zh-CN" altLang="en-US"/>
           </a:p>
         </p:txBody>
       </p:sp>
@@ -812,7 +809,7 @@
           <a:p>
             <a:fld id="{530820CF-B880-4189-942D-D702A7CBA730}" type="datetimeFigureOut">
               <a:rPr lang="zh-CN" altLang="en-US" smtClean="0"/>
-              <a:t>2017/6/27</a:t>
+              <a:t>2017/7/28</a:t>
             </a:fld>
             <a:endParaRPr lang="zh-CN" altLang="en-US"/>
           </a:p>
@@ -910,10 +907,9 @@
           </a:lstStyle>
           <a:p>
             <a:r>
-              <a:rPr lang="zh-CN" altLang="en-US" smtClean="0"/>
+              <a:rPr lang="zh-CN" altLang="en-US"/>
               <a:t>单击此处编辑母版标题样式</a:t>
             </a:r>
-            <a:endParaRPr lang="zh-CN" altLang="en-US"/>
           </a:p>
         </p:txBody>
       </p:sp>
@@ -1030,7 +1026,7 @@
           <a:p>
             <a:pPr lvl="0"/>
             <a:r>
-              <a:rPr lang="zh-CN" altLang="en-US" smtClean="0"/>
+              <a:rPr lang="zh-CN" altLang="en-US"/>
               <a:t>单击此处编辑母版文本样式</a:t>
             </a:r>
           </a:p>
@@ -1053,7 +1049,7 @@
           <a:p>
             <a:fld id="{530820CF-B880-4189-942D-D702A7CBA730}" type="datetimeFigureOut">
               <a:rPr lang="zh-CN" altLang="en-US" smtClean="0"/>
-              <a:t>2017/6/27</a:t>
+              <a:t>2017/7/28</a:t>
             </a:fld>
             <a:endParaRPr lang="zh-CN" altLang="en-US"/>
           </a:p>
@@ -1142,10 +1138,9 @@
           <a:lstStyle/>
           <a:p>
             <a:r>
-              <a:rPr lang="zh-CN" altLang="en-US" smtClean="0"/>
+              <a:rPr lang="zh-CN" altLang="en-US"/>
               <a:t>单击此处编辑母版标题样式</a:t>
             </a:r>
-            <a:endParaRPr lang="zh-CN" altLang="en-US"/>
           </a:p>
         </p:txBody>
       </p:sp>
@@ -1199,38 +1194,37 @@
           <a:p>
             <a:pPr lvl="0"/>
             <a:r>
-              <a:rPr lang="zh-CN" altLang="en-US" smtClean="0"/>
+              <a:rPr lang="zh-CN" altLang="en-US"/>
               <a:t>单击此处编辑母版文本样式</a:t>
             </a:r>
           </a:p>
           <a:p>
             <a:pPr lvl="1"/>
             <a:r>
-              <a:rPr lang="zh-CN" altLang="en-US" smtClean="0"/>
+              <a:rPr lang="zh-CN" altLang="en-US"/>
               <a:t>第二级</a:t>
             </a:r>
           </a:p>
           <a:p>
             <a:pPr lvl="2"/>
             <a:r>
-              <a:rPr lang="zh-CN" altLang="en-US" smtClean="0"/>
+              <a:rPr lang="zh-CN" altLang="en-US"/>
               <a:t>第三级</a:t>
             </a:r>
           </a:p>
           <a:p>
             <a:pPr lvl="3"/>
             <a:r>
-              <a:rPr lang="zh-CN" altLang="en-US" smtClean="0"/>
+              <a:rPr lang="zh-CN" altLang="en-US"/>
               <a:t>第四级</a:t>
             </a:r>
           </a:p>
           <a:p>
             <a:pPr lvl="4"/>
             <a:r>
-              <a:rPr lang="zh-CN" altLang="en-US" smtClean="0"/>
+              <a:rPr lang="zh-CN" altLang="en-US"/>
               <a:t>第五级</a:t>
             </a:r>
-            <a:endParaRPr lang="zh-CN" altLang="en-US"/>
           </a:p>
         </p:txBody>
       </p:sp>
@@ -1284,38 +1278,37 @@
           <a:p>
             <a:pPr lvl="0"/>
             <a:r>
-              <a:rPr lang="zh-CN" altLang="en-US" smtClean="0"/>
+              <a:rPr lang="zh-CN" altLang="en-US"/>
               <a:t>单击此处编辑母版文本样式</a:t>
             </a:r>
           </a:p>
           <a:p>
             <a:pPr lvl="1"/>
             <a:r>
-              <a:rPr lang="zh-CN" altLang="en-US" smtClean="0"/>
+              <a:rPr lang="zh-CN" altLang="en-US"/>
               <a:t>第二级</a:t>
             </a:r>
           </a:p>
           <a:p>
             <a:pPr lvl="2"/>
             <a:r>
-              <a:rPr lang="zh-CN" altLang="en-US" smtClean="0"/>
+              <a:rPr lang="zh-CN" altLang="en-US"/>
               <a:t>第三级</a:t>
             </a:r>
           </a:p>
           <a:p>
             <a:pPr lvl="3"/>
             <a:r>
-              <a:rPr lang="zh-CN" altLang="en-US" smtClean="0"/>
+              <a:rPr lang="zh-CN" altLang="en-US"/>
               <a:t>第四级</a:t>
             </a:r>
           </a:p>
           <a:p>
             <a:pPr lvl="4"/>
             <a:r>
-              <a:rPr lang="zh-CN" altLang="en-US" smtClean="0"/>
+              <a:rPr lang="zh-CN" altLang="en-US"/>
               <a:t>第五级</a:t>
             </a:r>
-            <a:endParaRPr lang="zh-CN" altLang="en-US"/>
           </a:p>
         </p:txBody>
       </p:sp>
@@ -1336,7 +1329,7 @@
           <a:p>
             <a:fld id="{530820CF-B880-4189-942D-D702A7CBA730}" type="datetimeFigureOut">
               <a:rPr lang="zh-CN" altLang="en-US" smtClean="0"/>
-              <a:t>2017/6/27</a:t>
+              <a:t>2017/7/28</a:t>
             </a:fld>
             <a:endParaRPr lang="zh-CN" altLang="en-US"/>
           </a:p>
@@ -1429,10 +1422,9 @@
           </a:lstStyle>
           <a:p>
             <a:r>
-              <a:rPr lang="zh-CN" altLang="en-US" smtClean="0"/>
+              <a:rPr lang="zh-CN" altLang="en-US"/>
               <a:t>单击此处编辑母版标题样式</a:t>
             </a:r>
-            <a:endParaRPr lang="zh-CN" altLang="en-US"/>
           </a:p>
         </p:txBody>
       </p:sp>
@@ -1495,7 +1487,7 @@
           <a:p>
             <a:pPr lvl="0"/>
             <a:r>
-              <a:rPr lang="zh-CN" altLang="en-US" smtClean="0"/>
+              <a:rPr lang="zh-CN" altLang="en-US"/>
               <a:t>单击此处编辑母版文本样式</a:t>
             </a:r>
           </a:p>
@@ -1551,38 +1543,37 @@
           <a:p>
             <a:pPr lvl="0"/>
             <a:r>
-              <a:rPr lang="zh-CN" altLang="en-US" smtClean="0"/>
+              <a:rPr lang="zh-CN" altLang="en-US"/>
               <a:t>单击此处编辑母版文本样式</a:t>
             </a:r>
           </a:p>
           <a:p>
             <a:pPr lvl="1"/>
             <a:r>
-              <a:rPr lang="zh-CN" altLang="en-US" smtClean="0"/>
+              <a:rPr lang="zh-CN" altLang="en-US"/>
               <a:t>第二级</a:t>
             </a:r>
           </a:p>
           <a:p>
             <a:pPr lvl="2"/>
             <a:r>
-              <a:rPr lang="zh-CN" altLang="en-US" smtClean="0"/>
+              <a:rPr lang="zh-CN" altLang="en-US"/>
               <a:t>第三级</a:t>
             </a:r>
           </a:p>
           <a:p>
             <a:pPr lvl="3"/>
             <a:r>
-              <a:rPr lang="zh-CN" altLang="en-US" smtClean="0"/>
+              <a:rPr lang="zh-CN" altLang="en-US"/>
               <a:t>第四级</a:t>
             </a:r>
           </a:p>
           <a:p>
             <a:pPr lvl="4"/>
             <a:r>
-              <a:rPr lang="zh-CN" altLang="en-US" smtClean="0"/>
+              <a:rPr lang="zh-CN" altLang="en-US"/>
               <a:t>第五级</a:t>
             </a:r>
-            <a:endParaRPr lang="zh-CN" altLang="en-US"/>
           </a:p>
         </p:txBody>
       </p:sp>
@@ -1645,7 +1636,7 @@
           <a:p>
             <a:pPr lvl="0"/>
             <a:r>
-              <a:rPr lang="zh-CN" altLang="en-US" smtClean="0"/>
+              <a:rPr lang="zh-CN" altLang="en-US"/>
               <a:t>单击此处编辑母版文本样式</a:t>
             </a:r>
           </a:p>
@@ -1701,38 +1692,37 @@
           <a:p>
             <a:pPr lvl="0"/>
             <a:r>
-              <a:rPr lang="zh-CN" altLang="en-US" smtClean="0"/>
+              <a:rPr lang="zh-CN" altLang="en-US"/>
               <a:t>单击此处编辑母版文本样式</a:t>
             </a:r>
           </a:p>
           <a:p>
             <a:pPr lvl="1"/>
             <a:r>
-              <a:rPr lang="zh-CN" altLang="en-US" smtClean="0"/>
+              <a:rPr lang="zh-CN" altLang="en-US"/>
               <a:t>第二级</a:t>
             </a:r>
           </a:p>
           <a:p>
             <a:pPr lvl="2"/>
             <a:r>
-              <a:rPr lang="zh-CN" altLang="en-US" smtClean="0"/>
+              <a:rPr lang="zh-CN" altLang="en-US"/>
               <a:t>第三级</a:t>
             </a:r>
           </a:p>
           <a:p>
             <a:pPr lvl="3"/>
             <a:r>
-              <a:rPr lang="zh-CN" altLang="en-US" smtClean="0"/>
+              <a:rPr lang="zh-CN" altLang="en-US"/>
               <a:t>第四级</a:t>
             </a:r>
           </a:p>
           <a:p>
             <a:pPr lvl="4"/>
             <a:r>
-              <a:rPr lang="zh-CN" altLang="en-US" smtClean="0"/>
+              <a:rPr lang="zh-CN" altLang="en-US"/>
               <a:t>第五级</a:t>
             </a:r>
-            <a:endParaRPr lang="zh-CN" altLang="en-US"/>
           </a:p>
         </p:txBody>
       </p:sp>
@@ -1753,7 +1743,7 @@
           <a:p>
             <a:fld id="{530820CF-B880-4189-942D-D702A7CBA730}" type="datetimeFigureOut">
               <a:rPr lang="zh-CN" altLang="en-US" smtClean="0"/>
-              <a:t>2017/6/27</a:t>
+              <a:t>2017/7/28</a:t>
             </a:fld>
             <a:endParaRPr lang="zh-CN" altLang="en-US"/>
           </a:p>
@@ -1842,10 +1832,9 @@
           <a:lstStyle/>
           <a:p>
             <a:r>
-              <a:rPr lang="zh-CN" altLang="en-US" smtClean="0"/>
+              <a:rPr lang="zh-CN" altLang="en-US"/>
               <a:t>单击此处编辑母版标题样式</a:t>
             </a:r>
-            <a:endParaRPr lang="zh-CN" altLang="en-US"/>
           </a:p>
         </p:txBody>
       </p:sp>
@@ -1866,7 +1855,7 @@
           <a:p>
             <a:fld id="{530820CF-B880-4189-942D-D702A7CBA730}" type="datetimeFigureOut">
               <a:rPr lang="zh-CN" altLang="en-US" smtClean="0"/>
-              <a:t>2017/6/27</a:t>
+              <a:t>2017/7/28</a:t>
             </a:fld>
             <a:endParaRPr lang="zh-CN" altLang="en-US"/>
           </a:p>
@@ -1956,7 +1945,7 @@
           <a:p>
             <a:fld id="{530820CF-B880-4189-942D-D702A7CBA730}" type="datetimeFigureOut">
               <a:rPr lang="zh-CN" altLang="en-US" smtClean="0"/>
-              <a:t>2017/6/27</a:t>
+              <a:t>2017/7/28</a:t>
             </a:fld>
             <a:endParaRPr lang="zh-CN" altLang="en-US"/>
           </a:p>
@@ -2054,10 +2043,9 @@
           </a:lstStyle>
           <a:p>
             <a:r>
-              <a:rPr lang="zh-CN" altLang="en-US" smtClean="0"/>
+              <a:rPr lang="zh-CN" altLang="en-US"/>
               <a:t>单击此处编辑母版标题样式</a:t>
             </a:r>
-            <a:endParaRPr lang="zh-CN" altLang="en-US"/>
           </a:p>
         </p:txBody>
       </p:sp>
@@ -2111,38 +2099,37 @@
           <a:p>
             <a:pPr lvl="0"/>
             <a:r>
-              <a:rPr lang="zh-CN" altLang="en-US" smtClean="0"/>
+              <a:rPr lang="zh-CN" altLang="en-US"/>
               <a:t>单击此处编辑母版文本样式</a:t>
             </a:r>
           </a:p>
           <a:p>
             <a:pPr lvl="1"/>
             <a:r>
-              <a:rPr lang="zh-CN" altLang="en-US" smtClean="0"/>
+              <a:rPr lang="zh-CN" altLang="en-US"/>
               <a:t>第二级</a:t>
             </a:r>
           </a:p>
           <a:p>
             <a:pPr lvl="2"/>
             <a:r>
-              <a:rPr lang="zh-CN" altLang="en-US" smtClean="0"/>
+              <a:rPr lang="zh-CN" altLang="en-US"/>
               <a:t>第三级</a:t>
             </a:r>
           </a:p>
           <a:p>
             <a:pPr lvl="3"/>
             <a:r>
-              <a:rPr lang="zh-CN" altLang="en-US" smtClean="0"/>
+              <a:rPr lang="zh-CN" altLang="en-US"/>
               <a:t>第四级</a:t>
             </a:r>
           </a:p>
           <a:p>
             <a:pPr lvl="4"/>
             <a:r>
-              <a:rPr lang="zh-CN" altLang="en-US" smtClean="0"/>
+              <a:rPr lang="zh-CN" altLang="en-US"/>
               <a:t>第五级</a:t>
             </a:r>
-            <a:endParaRPr lang="zh-CN" altLang="en-US"/>
           </a:p>
         </p:txBody>
       </p:sp>
@@ -2205,7 +2192,7 @@
           <a:p>
             <a:pPr lvl="0"/>
             <a:r>
-              <a:rPr lang="zh-CN" altLang="en-US" smtClean="0"/>
+              <a:rPr lang="zh-CN" altLang="en-US"/>
               <a:t>单击此处编辑母版文本样式</a:t>
             </a:r>
           </a:p>
@@ -2228,7 +2215,7 @@
           <a:p>
             <a:fld id="{530820CF-B880-4189-942D-D702A7CBA730}" type="datetimeFigureOut">
               <a:rPr lang="zh-CN" altLang="en-US" smtClean="0"/>
-              <a:t>2017/6/27</a:t>
+              <a:t>2017/7/28</a:t>
             </a:fld>
             <a:endParaRPr lang="zh-CN" altLang="en-US"/>
           </a:p>
@@ -2326,10 +2313,9 @@
           </a:lstStyle>
           <a:p>
             <a:r>
-              <a:rPr lang="zh-CN" altLang="en-US" smtClean="0"/>
+              <a:rPr lang="zh-CN" altLang="en-US"/>
               <a:t>单击此处编辑母版标题样式</a:t>
             </a:r>
-            <a:endParaRPr lang="zh-CN" altLang="en-US"/>
           </a:p>
         </p:txBody>
       </p:sp>
@@ -2453,7 +2439,7 @@
           <a:p>
             <a:pPr lvl="0"/>
             <a:r>
-              <a:rPr lang="zh-CN" altLang="en-US" smtClean="0"/>
+              <a:rPr lang="zh-CN" altLang="en-US"/>
               <a:t>单击此处编辑母版文本样式</a:t>
             </a:r>
           </a:p>
@@ -2476,7 +2462,7 @@
           <a:p>
             <a:fld id="{530820CF-B880-4189-942D-D702A7CBA730}" type="datetimeFigureOut">
               <a:rPr lang="zh-CN" altLang="en-US" smtClean="0"/>
-              <a:t>2017/6/27</a:t>
+              <a:t>2017/7/28</a:t>
             </a:fld>
             <a:endParaRPr lang="zh-CN" altLang="en-US"/>
           </a:p>
@@ -2580,10 +2566,9 @@
           <a:lstStyle/>
           <a:p>
             <a:r>
-              <a:rPr lang="zh-CN" altLang="en-US" smtClean="0"/>
+              <a:rPr lang="zh-CN" altLang="en-US"/>
               <a:t>单击此处编辑母版标题样式</a:t>
             </a:r>
-            <a:endParaRPr lang="zh-CN" altLang="en-US"/>
           </a:p>
         </p:txBody>
       </p:sp>
@@ -2614,38 +2599,37 @@
           <a:p>
             <a:pPr lvl="0"/>
             <a:r>
-              <a:rPr lang="zh-CN" altLang="en-US" smtClean="0"/>
+              <a:rPr lang="zh-CN" altLang="en-US"/>
               <a:t>单击此处编辑母版文本样式</a:t>
             </a:r>
           </a:p>
           <a:p>
             <a:pPr lvl="1"/>
             <a:r>
-              <a:rPr lang="zh-CN" altLang="en-US" smtClean="0"/>
+              <a:rPr lang="zh-CN" altLang="en-US"/>
               <a:t>第二级</a:t>
             </a:r>
           </a:p>
           <a:p>
             <a:pPr lvl="2"/>
             <a:r>
-              <a:rPr lang="zh-CN" altLang="en-US" smtClean="0"/>
+              <a:rPr lang="zh-CN" altLang="en-US"/>
               <a:t>第三级</a:t>
             </a:r>
           </a:p>
           <a:p>
             <a:pPr lvl="3"/>
             <a:r>
-              <a:rPr lang="zh-CN" altLang="en-US" smtClean="0"/>
+              <a:rPr lang="zh-CN" altLang="en-US"/>
               <a:t>第四级</a:t>
             </a:r>
           </a:p>
           <a:p>
             <a:pPr lvl="4"/>
             <a:r>
-              <a:rPr lang="zh-CN" altLang="en-US" smtClean="0"/>
+              <a:rPr lang="zh-CN" altLang="en-US"/>
               <a:t>第五级</a:t>
             </a:r>
-            <a:endParaRPr lang="zh-CN" altLang="en-US"/>
           </a:p>
         </p:txBody>
       </p:sp>
@@ -2684,7 +2668,7 @@
           <a:p>
             <a:fld id="{530820CF-B880-4189-942D-D702A7CBA730}" type="datetimeFigureOut">
               <a:rPr lang="zh-CN" altLang="en-US" smtClean="0"/>
-              <a:t>2017/6/27</a:t>
+              <a:t>2017/7/28</a:t>
             </a:fld>
             <a:endParaRPr lang="zh-CN" altLang="en-US"/>
           </a:p>
@@ -3070,7 +3054,7 @@
           <a:lstStyle/>
           <a:p>
             <a:r>
-              <a:rPr lang="en-US" altLang="zh-CN" dirty="0" smtClean="0"/>
+              <a:rPr lang="en-US" altLang="zh-CN" dirty="0"/>
               <a:t>Stack Environment</a:t>
             </a:r>
             <a:endParaRPr lang="zh-CN" altLang="en-US" dirty="0"/>
@@ -3095,7 +3079,7 @@
           <a:lstStyle/>
           <a:p>
             <a:r>
-              <a:rPr lang="en-US" altLang="zh-CN" dirty="0" smtClean="0"/>
+              <a:rPr lang="en-US" altLang="zh-CN" dirty="0"/>
               <a:t>1. script file</a:t>
             </a:r>
           </a:p>
@@ -3104,23 +3088,19 @@
           </a:p>
           <a:p>
             <a:r>
-              <a:rPr lang="en-US" altLang="zh-CN" dirty="0" smtClean="0"/>
+              <a:rPr lang="en-US" altLang="zh-CN" dirty="0"/>
               <a:t>Main &lt;- function(args) {</a:t>
             </a:r>
           </a:p>
           <a:p>
             <a:r>
               <a:rPr lang="en-US" altLang="zh-CN" dirty="0"/>
-              <a:t> </a:t>
-            </a:r>
-            <a:r>
-              <a:rPr lang="en-US" altLang="zh-CN" dirty="0" smtClean="0"/>
-              <a:t>   statements</a:t>
-            </a:r>
-          </a:p>
-          <a:p>
-            <a:r>
-              <a:rPr lang="en-US" altLang="zh-CN" dirty="0" smtClean="0"/>
+              <a:t>    statements</a:t>
+            </a:r>
+          </a:p>
+          <a:p>
+            <a:r>
+              <a:rPr lang="en-US" altLang="zh-CN" dirty="0"/>
               <a:t>}</a:t>
             </a:r>
           </a:p>
@@ -3129,7 +3109,7 @@
           </a:p>
           <a:p>
             <a:r>
-              <a:rPr lang="en-US" altLang="zh-CN" dirty="0" smtClean="0"/>
+              <a:rPr lang="en-US" altLang="zh-CN" dirty="0"/>
               <a:t>An R# script is a Main function closure, args function parameter is the commandline arguments.</a:t>
             </a:r>
             <a:endParaRPr lang="zh-CN" altLang="en-US" dirty="0"/>
@@ -3184,7 +3164,7 @@
           <a:lstStyle/>
           <a:p>
             <a:r>
-              <a:rPr lang="en-US" altLang="zh-CN" dirty="0" smtClean="0"/>
+              <a:rPr lang="en-US" altLang="zh-CN" dirty="0"/>
               <a:t>Relationship between the StackFrames</a:t>
             </a:r>
             <a:endParaRPr lang="zh-CN" altLang="en-US" dirty="0"/>
@@ -3240,7 +3220,7 @@
             <a:p>
               <a:pPr algn="ctr"/>
               <a:r>
-                <a:rPr lang="en-US" altLang="zh-CN" dirty="0" smtClean="0"/>
+                <a:rPr lang="en-US" altLang="zh-CN" dirty="0"/>
                 <a:t>Global.envir()</a:t>
               </a:r>
               <a:endParaRPr lang="zh-CN" altLang="en-US" dirty="0"/>
@@ -3309,14 +3289,14 @@
             <a:p>
               <a:pPr algn="ctr"/>
               <a:r>
-                <a:rPr lang="en-US" altLang="zh-CN" dirty="0" smtClean="0"/>
+                <a:rPr lang="en-US" altLang="zh-CN" dirty="0"/>
                 <a:t>R# script</a:t>
               </a:r>
             </a:p>
             <a:p>
               <a:pPr algn="ctr"/>
               <a:r>
-                <a:rPr lang="en-US" altLang="zh-CN" dirty="0" smtClean="0"/>
+                <a:rPr lang="en-US" altLang="zh-CN" dirty="0"/>
                 <a:t>(Main closure)</a:t>
               </a:r>
               <a:endParaRPr lang="zh-CN" altLang="en-US" dirty="0"/>
@@ -3346,7 +3326,7 @@
             <a:lstStyle/>
             <a:p>
               <a:r>
-                <a:rPr lang="en-US" altLang="zh-CN" dirty="0" smtClean="0"/>
+                <a:rPr lang="en-US" altLang="zh-CN" dirty="0"/>
                 <a:t>source(filepath, args as ...)</a:t>
               </a:r>
               <a:endParaRPr lang="zh-CN" altLang="en-US" dirty="0"/>
@@ -3391,7 +3371,7 @@
             <a:p>
               <a:pPr algn="ctr"/>
               <a:r>
-                <a:rPr lang="en-US" altLang="zh-CN" dirty="0" smtClean="0"/>
+                <a:rPr lang="en-US" altLang="zh-CN" dirty="0"/>
                 <a:t>parent(global) + arguments</a:t>
               </a:r>
               <a:endParaRPr lang="zh-CN" altLang="en-US" dirty="0"/>
@@ -3459,7 +3439,7 @@
             <a:lstStyle/>
             <a:p>
               <a:r>
-                <a:rPr lang="en-US" altLang="zh-CN" dirty="0" smtClean="0"/>
+                <a:rPr lang="en-US" altLang="zh-CN" dirty="0"/>
                 <a:t>function/closure 1</a:t>
               </a:r>
               <a:endParaRPr lang="zh-CN" altLang="en-US" dirty="0"/>
@@ -3504,7 +3484,7 @@
             <a:p>
               <a:pPr algn="ctr"/>
               <a:r>
-                <a:rPr lang="en-US" altLang="zh-CN" dirty="0" smtClean="0"/>
+                <a:rPr lang="en-US" altLang="zh-CN" dirty="0"/>
                 <a:t>parent(main) + parameters</a:t>
               </a:r>
               <a:endParaRPr lang="zh-CN" altLang="en-US" dirty="0"/>
@@ -3572,7 +3552,7 @@
             <a:lstStyle/>
             <a:p>
               <a:r>
-                <a:rPr lang="en-US" altLang="zh-CN" dirty="0" smtClean="0"/>
+                <a:rPr lang="en-US" altLang="zh-CN" dirty="0"/>
                 <a:t>function/closure 2</a:t>
               </a:r>
               <a:endParaRPr lang="zh-CN" altLang="en-US" dirty="0"/>
@@ -3617,7 +3597,7 @@
             <a:p>
               <a:pPr algn="ctr"/>
               <a:r>
-                <a:rPr lang="en-US" altLang="zh-CN" dirty="0" smtClean="0"/>
+                <a:rPr lang="en-US" altLang="zh-CN" dirty="0"/>
                 <a:t>parent(function) + parameters</a:t>
               </a:r>
               <a:endParaRPr lang="zh-CN" altLang="en-US" dirty="0"/>
@@ -3671,7 +3651,7 @@
           <a:lstStyle/>
           <a:p>
             <a:r>
-              <a:rPr lang="en-US" altLang="zh-CN" dirty="0" smtClean="0"/>
+              <a:rPr lang="en-US" altLang="zh-CN" dirty="0"/>
               <a:t>Script run from commandline</a:t>
             </a:r>
             <a:endParaRPr lang="zh-CN" altLang="en-US" dirty="0"/>
@@ -3696,7 +3676,7 @@
           <a:lstStyle/>
           <a:p>
             <a:r>
-              <a:rPr lang="en-US" altLang="zh-CN" sz="1800" dirty="0" smtClean="0"/>
+              <a:rPr lang="en-US" altLang="zh-CN" sz="1800" dirty="0"/>
               <a:t>R.exe “./display.R” message:=“hello world!” name:=“test_name” write.file:=“./test.txt” pages:=500</a:t>
             </a:r>
           </a:p>
@@ -3705,7 +3685,7 @@
           </a:p>
           <a:p>
             <a:r>
-              <a:rPr lang="en-US" altLang="zh-CN" sz="1800" dirty="0" smtClean="0"/>
+              <a:rPr lang="en-US" altLang="zh-CN" sz="1800" dirty="0"/>
               <a:t>R# script content</a:t>
             </a:r>
           </a:p>
@@ -3714,25 +3694,25 @@
           </a:p>
           <a:p>
             <a:r>
-              <a:rPr lang="en-US" altLang="zh-CN" sz="1800" dirty="0" smtClean="0"/>
+              <a:rPr lang="en-US" altLang="zh-CN" sz="1800" dirty="0"/>
               <a:t>var message as string = ...;</a:t>
             </a:r>
           </a:p>
           <a:p>
             <a:r>
-              <a:rPr lang="en-US" altLang="zh-CN" sz="1800" dirty="0" smtClean="0"/>
+              <a:rPr lang="en-US" altLang="zh-CN" sz="1800" dirty="0"/>
               <a:t>var name as string = ...;</a:t>
             </a:r>
           </a:p>
           <a:p>
             <a:r>
-              <a:rPr lang="en-US" altLang="zh-CN" sz="1800" dirty="0" smtClean="0"/>
+              <a:rPr lang="en-US" altLang="zh-CN" sz="1800" dirty="0"/>
               <a:t>var write.file as string = ...; </a:t>
             </a:r>
           </a:p>
           <a:p>
             <a:r>
-              <a:rPr lang="en-US" altLang="zh-CN" sz="1800" dirty="0" smtClean="0"/>
+              <a:rPr lang="en-US" altLang="zh-CN" sz="1800" dirty="0"/>
               <a:t>var pages as integer = ...;</a:t>
             </a:r>
           </a:p>
@@ -3741,13 +3721,13 @@
           </a:p>
           <a:p>
             <a:r>
-              <a:rPr lang="en-US" altLang="zh-CN" sz="1800" dirty="0" smtClean="0"/>
+              <a:rPr lang="en-US" altLang="zh-CN" sz="1800" dirty="0"/>
               <a:t>You can input any number of the arguments in the commandline, and each argument should in format: variable:=value, if the value have a white space, then a quot character is required.</a:t>
             </a:r>
           </a:p>
           <a:p>
             <a:r>
-              <a:rPr lang="en-US" altLang="zh-CN" sz="1800" dirty="0" smtClean="0"/>
+              <a:rPr lang="en-US" altLang="zh-CN" sz="1800" dirty="0"/>
               <a:t>Reference these commandline argument in R# script just using the variable declaration statement, and read from a parameter list ... Variable. </a:t>
             </a:r>
             <a:endParaRPr lang="zh-CN" altLang="en-US" sz="1800" dirty="0"/>
@@ -3892,18 +3872,13 @@
             <a:p>
               <a:pPr algn="ctr"/>
               <a:r>
-                <a:rPr lang="en-US" dirty="0" err="1" smtClean="0"/>
+                <a:rPr lang="en-US" dirty="0" err="1"/>
                 <a:t>var</a:t>
               </a:r>
               <a:r>
-                <a:rPr lang="en-US" dirty="0" smtClean="0"/>
-                <a:t> x as </a:t>
+                <a:rPr lang="en-US" dirty="0"/>
+                <a:t> x as integer</a:t>
               </a:r>
-              <a:r>
-                <a:rPr lang="en-US" dirty="0" smtClean="0"/>
-                <a:t>integer</a:t>
-              </a:r>
-              <a:endParaRPr lang="en-US" dirty="0"/>
             </a:p>
           </p:txBody>
         </p:sp>
@@ -3944,10 +3919,9 @@
             <a:p>
               <a:pPr algn="ctr"/>
               <a:r>
-                <a:rPr lang="en-US" dirty="0" smtClean="0"/>
+                <a:rPr lang="en-US" dirty="0"/>
                 <a:t>1+2+3</a:t>
               </a:r>
-              <a:endParaRPr lang="en-US" dirty="0"/>
             </a:p>
           </p:txBody>
         </p:sp>
@@ -4028,10 +4002,9 @@
             <a:p>
               <a:pPr algn="ctr"/>
               <a:r>
-                <a:rPr lang="en-US" dirty="0" smtClean="0"/>
+                <a:rPr lang="en-US" dirty="0"/>
                 <a:t>&lt;-</a:t>
               </a:r>
-              <a:endParaRPr lang="en-US" dirty="0"/>
             </a:p>
           </p:txBody>
         </p:sp>
@@ -4138,10 +4111,9 @@
             <a:lstStyle/>
             <a:p>
               <a:r>
-                <a:rPr lang="en-US" dirty="0" smtClean="0"/>
+                <a:rPr lang="en-US" dirty="0"/>
                 <a:t>Left</a:t>
               </a:r>
-              <a:endParaRPr lang="en-US" dirty="0"/>
             </a:p>
           </p:txBody>
         </p:sp>
@@ -4168,10 +4140,9 @@
             <a:lstStyle/>
             <a:p>
               <a:r>
-                <a:rPr lang="en-US" dirty="0" smtClean="0"/>
+                <a:rPr lang="en-US" dirty="0"/>
                 <a:t>Assign Operator</a:t>
               </a:r>
-              <a:endParaRPr lang="en-US" dirty="0"/>
             </a:p>
           </p:txBody>
         </p:sp>
@@ -4198,10 +4169,9 @@
             <a:lstStyle/>
             <a:p>
               <a:r>
-                <a:rPr lang="en-US" dirty="0" smtClean="0"/>
+                <a:rPr lang="en-US" dirty="0"/>
                 <a:t>Value Expression</a:t>
               </a:r>
-              <a:endParaRPr lang="en-US" dirty="0"/>
             </a:p>
           </p:txBody>
         </p:sp>
@@ -4228,10 +4198,9 @@
             <a:lstStyle/>
             <a:p>
               <a:r>
-                <a:rPr lang="en-US" dirty="0" smtClean="0"/>
+                <a:rPr lang="en-US" dirty="0"/>
                 <a:t>Variable declare statement</a:t>
               </a:r>
-              <a:endParaRPr lang="en-US" dirty="0"/>
             </a:p>
           </p:txBody>
         </p:sp>
@@ -4298,10 +4267,9 @@
             <a:lstStyle/>
             <a:p>
               <a:r>
-                <a:rPr lang="en-US" dirty="0" smtClean="0"/>
+                <a:rPr lang="en-US" dirty="0"/>
                 <a:t>Simple Expression Parser</a:t>
               </a:r>
-              <a:endParaRPr lang="en-US" dirty="0"/>
             </a:p>
           </p:txBody>
         </p:sp>
@@ -4368,10 +4336,9 @@
             <a:lstStyle/>
             <a:p>
               <a:r>
-                <a:rPr lang="en-US" dirty="0" smtClean="0"/>
+                <a:rPr lang="en-US" dirty="0"/>
                 <a:t>Primitive Expression</a:t>
               </a:r>
-              <a:endParaRPr lang="en-US" dirty="0"/>
             </a:p>
           </p:txBody>
         </p:sp>
@@ -4380,6 +4347,36 @@
     <p:extLst>
       <p:ext uri="{BB962C8B-B14F-4D97-AF65-F5344CB8AC3E}">
         <p14:creationId xmlns:p14="http://schemas.microsoft.com/office/powerpoint/2010/main" val="1305802154"/>
+      </p:ext>
+    </p:extLst>
+  </p:cSld>
+  <p:clrMapOvr>
+    <a:masterClrMapping/>
+  </p:clrMapOvr>
+</p:sld>
+</file>
+
+<file path=ppt/slides/slide5.xml><?xml version="1.0" encoding="utf-8"?>
+<p:sld xmlns:a="http://schemas.openxmlformats.org/drawingml/2006/main" xmlns:r="http://schemas.openxmlformats.org/officeDocument/2006/relationships" xmlns:p="http://schemas.openxmlformats.org/presentationml/2006/main">
+  <p:cSld>
+    <p:spTree>
+      <p:nvGrpSpPr>
+        <p:cNvPr id="1" name=""/>
+        <p:cNvGrpSpPr/>
+        <p:nvPr/>
+      </p:nvGrpSpPr>
+      <p:grpSpPr>
+        <a:xfrm>
+          <a:off x="0" y="0"/>
+          <a:ext cx="0" cy="0"/>
+          <a:chOff x="0" y="0"/>
+          <a:chExt cx="0" cy="0"/>
+        </a:xfrm>
+      </p:grpSpPr>
+    </p:spTree>
+    <p:extLst>
+      <p:ext uri="{BB962C8B-B14F-4D97-AF65-F5344CB8AC3E}">
+        <p14:creationId xmlns:p14="http://schemas.microsoft.com/office/powerpoint/2010/main" val="3895937164"/>
       </p:ext>
     </p:extLst>
   </p:cSld>
